--- a/static/CS50W – Project1.pptx
+++ b/static/CS50W – Project1.pptx
@@ -15,15 +15,16 @@
     <p:sldId id="263" r:id="rId9"/>
     <p:sldId id="260" r:id="rId10"/>
     <p:sldId id="264" r:id="rId11"/>
-    <p:sldId id="265" r:id="rId12"/>
-    <p:sldId id="266" r:id="rId13"/>
-    <p:sldId id="267" r:id="rId14"/>
-    <p:sldId id="269" r:id="rId15"/>
-    <p:sldId id="268" r:id="rId16"/>
-    <p:sldId id="270" r:id="rId17"/>
-    <p:sldId id="271" r:id="rId18"/>
-    <p:sldId id="272" r:id="rId19"/>
-    <p:sldId id="273" r:id="rId20"/>
+    <p:sldId id="275" r:id="rId12"/>
+    <p:sldId id="265" r:id="rId13"/>
+    <p:sldId id="266" r:id="rId14"/>
+    <p:sldId id="273" r:id="rId15"/>
+    <p:sldId id="267" r:id="rId16"/>
+    <p:sldId id="269" r:id="rId17"/>
+    <p:sldId id="268" r:id="rId18"/>
+    <p:sldId id="270" r:id="rId19"/>
+    <p:sldId id="271" r:id="rId20"/>
+    <p:sldId id="272" r:id="rId21"/>
   </p:sldIdLst>
   <p:sldSz cx="12192000" cy="6858000"/>
   <p:notesSz cx="6858000" cy="9144000"/>
@@ -5907,6 +5908,30 @@
           <a:chExt cx="0" cy="0"/>
         </a:xfrm>
       </p:grpSpPr>
+      <p:pic>
+        <p:nvPicPr>
+          <p:cNvPr id="3" name="Imagem 2"/>
+          <p:cNvPicPr>
+            <a:picLocks noChangeAspect="1"/>
+          </p:cNvPicPr>
+          <p:nvPr/>
+        </p:nvPicPr>
+        <p:blipFill>
+          <a:blip r:embed="rId2"/>
+          <a:stretch>
+            <a:fillRect/>
+          </a:stretch>
+        </p:blipFill>
+        <p:spPr>
+          <a:xfrm>
+            <a:off x="882316" y="709612"/>
+            <a:ext cx="10459451" cy="5438775"/>
+          </a:xfrm>
+          <a:prstGeom prst="rect">
+            <a:avLst/>
+          </a:prstGeom>
+        </p:spPr>
+      </p:pic>
     </p:spTree>
     <p:extLst>
       <p:ext uri="{BB962C8B-B14F-4D97-AF65-F5344CB8AC3E}">
@@ -5937,6 +5962,137 @@
           <a:chExt cx="0" cy="0"/>
         </a:xfrm>
       </p:grpSpPr>
+      <p:pic>
+        <p:nvPicPr>
+          <p:cNvPr id="2" name="Imagem 1"/>
+          <p:cNvPicPr>
+            <a:picLocks noChangeAspect="1"/>
+          </p:cNvPicPr>
+          <p:nvPr/>
+        </p:nvPicPr>
+        <p:blipFill>
+          <a:blip r:embed="rId2"/>
+          <a:stretch>
+            <a:fillRect/>
+          </a:stretch>
+        </p:blipFill>
+        <p:spPr>
+          <a:xfrm>
+            <a:off x="818397" y="1253790"/>
+            <a:ext cx="4619625" cy="3676650"/>
+          </a:xfrm>
+          <a:prstGeom prst="rect">
+            <a:avLst/>
+          </a:prstGeom>
+        </p:spPr>
+      </p:pic>
+      <p:pic>
+        <p:nvPicPr>
+          <p:cNvPr id="3" name="Imagem 2"/>
+          <p:cNvPicPr>
+            <a:picLocks noChangeAspect="1"/>
+          </p:cNvPicPr>
+          <p:nvPr/>
+        </p:nvPicPr>
+        <p:blipFill>
+          <a:blip r:embed="rId3"/>
+          <a:stretch>
+            <a:fillRect/>
+          </a:stretch>
+        </p:blipFill>
+        <p:spPr>
+          <a:xfrm>
+            <a:off x="5646821" y="2384508"/>
+            <a:ext cx="5623509" cy="3629025"/>
+          </a:xfrm>
+          <a:prstGeom prst="rect">
+            <a:avLst/>
+          </a:prstGeom>
+        </p:spPr>
+      </p:pic>
+      <p:sp>
+        <p:nvSpPr>
+          <p:cNvPr id="4" name="Retângulo 3"/>
+          <p:cNvSpPr/>
+          <p:nvPr/>
+        </p:nvSpPr>
+        <p:spPr>
+          <a:xfrm>
+            <a:off x="6112042" y="994611"/>
+            <a:ext cx="4491790" cy="1042736"/>
+          </a:xfrm>
+          <a:prstGeom prst="rect">
+            <a:avLst/>
+          </a:prstGeom>
+          <a:solidFill>
+            <a:schemeClr val="accent6">
+              <a:lumMod val="75000"/>
+            </a:schemeClr>
+          </a:solidFill>
+        </p:spPr>
+        <p:style>
+          <a:lnRef idx="2">
+            <a:schemeClr val="accent1">
+              <a:shade val="50000"/>
+            </a:schemeClr>
+          </a:lnRef>
+          <a:fillRef idx="1">
+            <a:schemeClr val="accent1"/>
+          </a:fillRef>
+          <a:effectRef idx="0">
+            <a:schemeClr val="accent1"/>
+          </a:effectRef>
+          <a:fontRef idx="minor">
+            <a:schemeClr val="lt1"/>
+          </a:fontRef>
+        </p:style>
+        <p:txBody>
+          <a:bodyPr rtlCol="0" anchor="ctr"/>
+          <a:lstStyle/>
+          <a:p>
+            <a:pPr algn="ctr"/>
+            <a:r>
+              <a:rPr lang="pt-BR" sz="5400" dirty="0" smtClean="0"/>
+              <a:t>Create </a:t>
+            </a:r>
+            <a:r>
+              <a:rPr lang="pt-BR" sz="5400" dirty="0" err="1" smtClean="0"/>
+              <a:t>Tables</a:t>
+            </a:r>
+            <a:endParaRPr lang="pt-BR" sz="5400" dirty="0"/>
+          </a:p>
+        </p:txBody>
+      </p:sp>
+    </p:spTree>
+    <p:extLst>
+      <p:ext uri="{BB962C8B-B14F-4D97-AF65-F5344CB8AC3E}">
+        <p14:creationId xmlns:p14="http://schemas.microsoft.com/office/powerpoint/2010/main" val="3177935606"/>
+      </p:ext>
+    </p:extLst>
+  </p:cSld>
+  <p:clrMapOvr>
+    <a:masterClrMapping/>
+  </p:clrMapOvr>
+</p:sld>
+</file>
+
+<file path=ppt/slides/slide12.xml><?xml version="1.0" encoding="utf-8"?>
+<p:sld xmlns:a="http://schemas.openxmlformats.org/drawingml/2006/main" xmlns:r="http://schemas.openxmlformats.org/officeDocument/2006/relationships" xmlns:p="http://schemas.openxmlformats.org/presentationml/2006/main">
+  <p:cSld>
+    <p:spTree>
+      <p:nvGrpSpPr>
+        <p:cNvPr id="1" name=""/>
+        <p:cNvGrpSpPr/>
+        <p:nvPr/>
+      </p:nvGrpSpPr>
+      <p:grpSpPr>
+        <a:xfrm>
+          <a:off x="0" y="0"/>
+          <a:ext cx="0" cy="0"/>
+          <a:chOff x="0" y="0"/>
+          <a:chExt cx="0" cy="0"/>
+        </a:xfrm>
+      </p:grpSpPr>
       <p:sp>
         <p:nvSpPr>
           <p:cNvPr id="2" name="Título 1"/>
@@ -5998,7 +6154,7 @@
 </p:sld>
 </file>
 
-<file path=ppt/slides/slide12.xml><?xml version="1.0" encoding="utf-8"?>
+<file path=ppt/slides/slide13.xml><?xml version="1.0" encoding="utf-8"?>
 <p:sld xmlns:a="http://schemas.openxmlformats.org/drawingml/2006/main" xmlns:r="http://schemas.openxmlformats.org/officeDocument/2006/relationships" xmlns:p="http://schemas.openxmlformats.org/presentationml/2006/main">
   <p:cSld>
     <p:spTree>
@@ -6052,82 +6208,6 @@
 </p:sld>
 </file>
 
-<file path=ppt/slides/slide13.xml><?xml version="1.0" encoding="utf-8"?>
-<p:sld xmlns:a="http://schemas.openxmlformats.org/drawingml/2006/main" xmlns:r="http://schemas.openxmlformats.org/officeDocument/2006/relationships" xmlns:p="http://schemas.openxmlformats.org/presentationml/2006/main">
-  <p:cSld>
-    <p:spTree>
-      <p:nvGrpSpPr>
-        <p:cNvPr id="1" name=""/>
-        <p:cNvGrpSpPr/>
-        <p:nvPr/>
-      </p:nvGrpSpPr>
-      <p:grpSpPr>
-        <a:xfrm>
-          <a:off x="0" y="0"/>
-          <a:ext cx="0" cy="0"/>
-          <a:chOff x="0" y="0"/>
-          <a:chExt cx="0" cy="0"/>
-        </a:xfrm>
-      </p:grpSpPr>
-      <p:sp>
-        <p:nvSpPr>
-          <p:cNvPr id="4" name="Título 3"/>
-          <p:cNvSpPr>
-            <a:spLocks noGrp="1"/>
-          </p:cNvSpPr>
-          <p:nvPr>
-            <p:ph type="title"/>
-          </p:nvPr>
-        </p:nvSpPr>
-        <p:spPr/>
-        <p:txBody>
-          <a:bodyPr/>
-          <a:lstStyle/>
-          <a:p>
-            <a:r>
-              <a:rPr lang="pt-BR" dirty="0" smtClean="0"/>
-              <a:t>Book Page</a:t>
-            </a:r>
-            <a:endParaRPr lang="pt-BR" dirty="0"/>
-          </a:p>
-        </p:txBody>
-      </p:sp>
-      <p:sp>
-        <p:nvSpPr>
-          <p:cNvPr id="5" name="Espaço Reservado para Conteúdo 4"/>
-          <p:cNvSpPr>
-            <a:spLocks noGrp="1"/>
-          </p:cNvSpPr>
-          <p:nvPr>
-            <p:ph idx="1"/>
-          </p:nvPr>
-        </p:nvSpPr>
-        <p:spPr/>
-        <p:txBody>
-          <a:bodyPr/>
-          <a:lstStyle/>
-          <a:p>
-            <a:r>
-              <a:rPr lang="en-US" dirty="0"/>
-              <a:t>When users click on a book from the results of the search page, they should be taken to a book page, with details about the book: its title, author, publication year, ISBN number, and any reviews that users have left for the book on your website.</a:t>
-            </a:r>
-            <a:endParaRPr lang="pt-BR" dirty="0"/>
-          </a:p>
-        </p:txBody>
-      </p:sp>
-    </p:spTree>
-    <p:extLst>
-      <p:ext uri="{BB962C8B-B14F-4D97-AF65-F5344CB8AC3E}">
-        <p14:creationId xmlns:p14="http://schemas.microsoft.com/office/powerpoint/2010/main" val="2320122526"/>
-      </p:ext>
-    </p:extLst>
-  </p:cSld>
-  <p:clrMapOvr>
-    <a:masterClrMapping/>
-  </p:clrMapOvr>
-</p:sld>
-</file>
-
 <file path=ppt/slides/slide14.xml><?xml version="1.0" encoding="utf-8"?>
 <p:sld xmlns:a="http://schemas.openxmlformats.org/drawingml/2006/main" xmlns:r="http://schemas.openxmlformats.org/officeDocument/2006/relationships" xmlns:p="http://schemas.openxmlformats.org/presentationml/2006/main">
   <p:cSld>
@@ -6145,10 +6225,77 @@
           <a:chExt cx="0" cy="0"/>
         </a:xfrm>
       </p:grpSpPr>
+      <p:sp>
+        <p:nvSpPr>
+          <p:cNvPr id="4" name="Título 3"/>
+          <p:cNvSpPr>
+            <a:spLocks noGrp="1"/>
+          </p:cNvSpPr>
+          <p:nvPr>
+            <p:ph type="title"/>
+          </p:nvPr>
+        </p:nvSpPr>
+        <p:spPr/>
+        <p:txBody>
+          <a:bodyPr>
+            <a:normAutofit fontScale="90000"/>
+          </a:bodyPr>
+          <a:lstStyle/>
+          <a:p>
+            <a:r>
+              <a:rPr lang="en-US" dirty="0"/>
+              <a:t>If the requested ISBN number isn’t in your database, your website should return a 404 error.</a:t>
+            </a:r>
+            <a:endParaRPr lang="pt-BR" dirty="0"/>
+          </a:p>
+        </p:txBody>
+      </p:sp>
+      <p:pic>
+        <p:nvPicPr>
+          <p:cNvPr id="8" name="Espaço Reservado para Imagem 7"/>
+          <p:cNvPicPr>
+            <a:picLocks noGrp="1" noChangeAspect="1"/>
+          </p:cNvPicPr>
+          <p:nvPr>
+            <p:ph type="pic" idx="1"/>
+          </p:nvPr>
+        </p:nvPicPr>
+        <p:blipFill>
+          <a:blip r:embed="rId2"/>
+          <a:srcRect t="14877" b="14877"/>
+          <a:stretch>
+            <a:fillRect/>
+          </a:stretch>
+        </p:blipFill>
+        <p:spPr>
+          <a:prstGeom prst="rect">
+            <a:avLst/>
+          </a:prstGeom>
+        </p:spPr>
+      </p:pic>
+      <p:sp>
+        <p:nvSpPr>
+          <p:cNvPr id="7" name="Espaço Reservado para Texto 6"/>
+          <p:cNvSpPr>
+            <a:spLocks noGrp="1"/>
+          </p:cNvSpPr>
+          <p:nvPr>
+            <p:ph type="body" sz="half" idx="2"/>
+          </p:nvPr>
+        </p:nvSpPr>
+        <p:spPr/>
+        <p:txBody>
+          <a:bodyPr/>
+          <a:lstStyle/>
+          <a:p>
+            <a:endParaRPr lang="pt-BR"/>
+          </a:p>
+        </p:txBody>
+      </p:sp>
     </p:spTree>
     <p:extLst>
       <p:ext uri="{BB962C8B-B14F-4D97-AF65-F5344CB8AC3E}">
-        <p14:creationId xmlns:p14="http://schemas.microsoft.com/office/powerpoint/2010/main" val="4053459927"/>
+        <p14:creationId xmlns:p14="http://schemas.microsoft.com/office/powerpoint/2010/main" val="3794784355"/>
       </p:ext>
     </p:extLst>
   </p:cSld>
@@ -6191,16 +6338,8 @@
           <a:lstStyle/>
           <a:p>
             <a:r>
-              <a:rPr lang="pt-BR" dirty="0" err="1" smtClean="0"/>
-              <a:t>Review</a:t>
-            </a:r>
-            <a:r>
               <a:rPr lang="pt-BR" dirty="0" smtClean="0"/>
-              <a:t> </a:t>
-            </a:r>
-            <a:r>
-              <a:rPr lang="pt-BR" dirty="0" err="1" smtClean="0"/>
-              <a:t>Submission</a:t>
+              <a:t>Book Page</a:t>
             </a:r>
             <a:endParaRPr lang="pt-BR" dirty="0"/>
           </a:p>
@@ -6223,7 +6362,7 @@
           <a:p>
             <a:r>
               <a:rPr lang="en-US" dirty="0"/>
-              <a:t>On the book page, users should be able to submit a review: consisting of a rating on a scale of 1 to 5, as well as a text component to the review where the user can write their opinion about a book. Users should not be able to submit multiple reviews for the same book.</a:t>
+              <a:t>When users click on a book from the results of the search page, they should be taken to a book page, with details about the book: its title, author, publication year, ISBN number, and any reviews that users have left for the book on your website.</a:t>
             </a:r>
             <a:endParaRPr lang="pt-BR" dirty="0"/>
           </a:p>
@@ -6232,7 +6371,7 @@
     </p:spTree>
     <p:extLst>
       <p:ext uri="{BB962C8B-B14F-4D97-AF65-F5344CB8AC3E}">
-        <p14:creationId xmlns:p14="http://schemas.microsoft.com/office/powerpoint/2010/main" val="2257838915"/>
+        <p14:creationId xmlns:p14="http://schemas.microsoft.com/office/powerpoint/2010/main" val="2320122526"/>
       </p:ext>
     </p:extLst>
   </p:cSld>
@@ -6259,10 +6398,34 @@
           <a:chExt cx="0" cy="0"/>
         </a:xfrm>
       </p:grpSpPr>
+      <p:pic>
+        <p:nvPicPr>
+          <p:cNvPr id="3" name="Imagem 2"/>
+          <p:cNvPicPr>
+            <a:picLocks noChangeAspect="1"/>
+          </p:cNvPicPr>
+          <p:nvPr/>
+        </p:nvPicPr>
+        <p:blipFill>
+          <a:blip r:embed="rId2"/>
+          <a:stretch>
+            <a:fillRect/>
+          </a:stretch>
+        </p:blipFill>
+        <p:spPr>
+          <a:xfrm>
+            <a:off x="759854" y="664639"/>
+            <a:ext cx="10715222" cy="5528721"/>
+          </a:xfrm>
+          <a:prstGeom prst="rect">
+            <a:avLst/>
+          </a:prstGeom>
+        </p:spPr>
+      </p:pic>
     </p:spTree>
     <p:extLst>
       <p:ext uri="{BB962C8B-B14F-4D97-AF65-F5344CB8AC3E}">
-        <p14:creationId xmlns:p14="http://schemas.microsoft.com/office/powerpoint/2010/main" val="3170922690"/>
+        <p14:creationId xmlns:p14="http://schemas.microsoft.com/office/powerpoint/2010/main" val="4053459927"/>
       </p:ext>
     </p:extLst>
   </p:cSld>
@@ -6306,7 +6469,7 @@
           <a:p>
             <a:r>
               <a:rPr lang="pt-BR" dirty="0" err="1" smtClean="0"/>
-              <a:t>Goodreads</a:t>
+              <a:t>Review</a:t>
             </a:r>
             <a:r>
               <a:rPr lang="pt-BR" dirty="0" smtClean="0"/>
@@ -6314,11 +6477,7 @@
             </a:r>
             <a:r>
               <a:rPr lang="pt-BR" dirty="0" err="1" smtClean="0"/>
-              <a:t>Review</a:t>
-            </a:r>
-            <a:r>
-              <a:rPr lang="pt-BR" dirty="0" smtClean="0"/>
-              <a:t> Data /API Access</a:t>
+              <a:t>Submission</a:t>
             </a:r>
             <a:endParaRPr lang="pt-BR" dirty="0"/>
           </a:p>
@@ -6341,41 +6500,7 @@
           <a:p>
             <a:r>
               <a:rPr lang="en-US" dirty="0"/>
-              <a:t>On your book page, you should also display (if available) the average rating and number of ratings the work has received from Goodreads</a:t>
-            </a:r>
-            <a:r>
-              <a:rPr lang="en-US" dirty="0" smtClean="0"/>
-              <a:t>.</a:t>
-            </a:r>
-          </a:p>
-          <a:p>
-            <a:r>
-              <a:rPr lang="en-US" dirty="0"/>
-              <a:t>If users make a GET request to your website’s /</a:t>
-            </a:r>
-            <a:r>
-              <a:rPr lang="en-US" dirty="0" err="1"/>
-              <a:t>api</a:t>
-            </a:r>
-            <a:r>
-              <a:rPr lang="en-US" dirty="0"/>
-              <a:t>/&lt;</a:t>
-            </a:r>
-            <a:r>
-              <a:rPr lang="en-US" dirty="0" err="1"/>
-              <a:t>isbn</a:t>
-            </a:r>
-            <a:r>
-              <a:rPr lang="en-US" dirty="0"/>
-              <a:t>&gt; route, where &lt;</a:t>
-            </a:r>
-            <a:r>
-              <a:rPr lang="en-US" dirty="0" err="1"/>
-              <a:t>isbn</a:t>
-            </a:r>
-            <a:r>
-              <a:rPr lang="en-US" dirty="0"/>
-              <a:t>&gt; is an ISBN number, your website should return a JSON response containing the book’s title, author, publication date, ISBN number, review count, and average score. The resulting JSON should follow the format:</a:t>
+              <a:t>On the book page, users should be able to submit a review: consisting of a rating on a scale of 1 to 5, as well as a text component to the review where the user can write their opinion about a book. Users should not be able to submit multiple reviews for the same book.</a:t>
             </a:r>
             <a:endParaRPr lang="pt-BR" dirty="0"/>
           </a:p>
@@ -6384,7 +6509,7 @@
     </p:spTree>
     <p:extLst>
       <p:ext uri="{BB962C8B-B14F-4D97-AF65-F5344CB8AC3E}">
-        <p14:creationId xmlns:p14="http://schemas.microsoft.com/office/powerpoint/2010/main" val="2967725874"/>
+        <p14:creationId xmlns:p14="http://schemas.microsoft.com/office/powerpoint/2010/main" val="2257838915"/>
       </p:ext>
     </p:extLst>
   </p:cSld>
@@ -6411,10 +6536,34 @@
           <a:chExt cx="0" cy="0"/>
         </a:xfrm>
       </p:grpSpPr>
+      <p:pic>
+        <p:nvPicPr>
+          <p:cNvPr id="2" name="Imagem 1"/>
+          <p:cNvPicPr>
+            <a:picLocks noChangeAspect="1"/>
+          </p:cNvPicPr>
+          <p:nvPr/>
+        </p:nvPicPr>
+        <p:blipFill>
+          <a:blip r:embed="rId2"/>
+          <a:stretch>
+            <a:fillRect/>
+          </a:stretch>
+        </p:blipFill>
+        <p:spPr>
+          <a:xfrm>
+            <a:off x="734096" y="656421"/>
+            <a:ext cx="10715222" cy="5545157"/>
+          </a:xfrm>
+          <a:prstGeom prst="rect">
+            <a:avLst/>
+          </a:prstGeom>
+        </p:spPr>
+      </p:pic>
     </p:spTree>
     <p:extLst>
       <p:ext uri="{BB962C8B-B14F-4D97-AF65-F5344CB8AC3E}">
-        <p14:creationId xmlns:p14="http://schemas.microsoft.com/office/powerpoint/2010/main" val="1938430694"/>
+        <p14:creationId xmlns:p14="http://schemas.microsoft.com/office/powerpoint/2010/main" val="3170922690"/>
       </p:ext>
     </p:extLst>
   </p:cSld>
@@ -6453,54 +6602,90 @@
         </p:nvSpPr>
         <p:spPr/>
         <p:txBody>
-          <a:bodyPr>
-            <a:normAutofit fontScale="90000"/>
-          </a:bodyPr>
+          <a:bodyPr/>
+          <a:lstStyle/>
+          <a:p>
+            <a:r>
+              <a:rPr lang="pt-BR" dirty="0" err="1" smtClean="0"/>
+              <a:t>Goodreads</a:t>
+            </a:r>
+            <a:r>
+              <a:rPr lang="pt-BR" dirty="0" smtClean="0"/>
+              <a:t> </a:t>
+            </a:r>
+            <a:r>
+              <a:rPr lang="pt-BR" dirty="0" err="1" smtClean="0"/>
+              <a:t>Review</a:t>
+            </a:r>
+            <a:r>
+              <a:rPr lang="pt-BR" dirty="0" smtClean="0"/>
+              <a:t> Data /API Access</a:t>
+            </a:r>
+            <a:endParaRPr lang="pt-BR" dirty="0"/>
+          </a:p>
+        </p:txBody>
+      </p:sp>
+      <p:sp>
+        <p:nvSpPr>
+          <p:cNvPr id="5" name="Espaço Reservado para Conteúdo 4"/>
+          <p:cNvSpPr>
+            <a:spLocks noGrp="1"/>
+          </p:cNvSpPr>
+          <p:nvPr>
+            <p:ph idx="1"/>
+          </p:nvPr>
+        </p:nvSpPr>
+        <p:spPr/>
+        <p:txBody>
+          <a:bodyPr/>
           <a:lstStyle/>
           <a:p>
             <a:r>
               <a:rPr lang="en-US" dirty="0"/>
-              <a:t>If the requested ISBN number isn’t in your database, your website should return a 404 error.</a:t>
+              <a:t>On your book page, you should also display (if available) the average rating and number of ratings the work has received from Goodreads</a:t>
+            </a:r>
+            <a:r>
+              <a:rPr lang="en-US" dirty="0" smtClean="0"/>
+              <a:t>.</a:t>
+            </a:r>
+          </a:p>
+          <a:p>
+            <a:r>
+              <a:rPr lang="en-US" dirty="0"/>
+              <a:t>If users make a GET request to your website’s /</a:t>
+            </a:r>
+            <a:r>
+              <a:rPr lang="en-US" dirty="0" err="1"/>
+              <a:t>api</a:t>
+            </a:r>
+            <a:r>
+              <a:rPr lang="en-US" dirty="0"/>
+              <a:t>/&lt;</a:t>
+            </a:r>
+            <a:r>
+              <a:rPr lang="en-US" dirty="0" err="1"/>
+              <a:t>isbn</a:t>
+            </a:r>
+            <a:r>
+              <a:rPr lang="en-US" dirty="0"/>
+              <a:t>&gt; route, where &lt;</a:t>
+            </a:r>
+            <a:r>
+              <a:rPr lang="en-US" dirty="0" err="1"/>
+              <a:t>isbn</a:t>
+            </a:r>
+            <a:r>
+              <a:rPr lang="en-US" dirty="0"/>
+              <a:t>&gt; is an ISBN number, your website should return a JSON response containing the book’s title, author, publication date, ISBN number, review count, and average score. The resulting JSON should follow the format:</a:t>
             </a:r>
             <a:endParaRPr lang="pt-BR" dirty="0"/>
-          </a:p>
-        </p:txBody>
-      </p:sp>
-      <p:sp>
-        <p:nvSpPr>
-          <p:cNvPr id="6" name="Espaço Reservado para Imagem 5"/>
-          <p:cNvSpPr>
-            <a:spLocks noGrp="1"/>
-          </p:cNvSpPr>
-          <p:nvPr>
-            <p:ph type="pic" idx="1"/>
-          </p:nvPr>
-        </p:nvSpPr>
-        <p:spPr/>
-      </p:sp>
-      <p:sp>
-        <p:nvSpPr>
-          <p:cNvPr id="7" name="Espaço Reservado para Texto 6"/>
-          <p:cNvSpPr>
-            <a:spLocks noGrp="1"/>
-          </p:cNvSpPr>
-          <p:nvPr>
-            <p:ph type="body" sz="half" idx="2"/>
-          </p:nvPr>
-        </p:nvSpPr>
-        <p:spPr/>
-        <p:txBody>
-          <a:bodyPr/>
-          <a:lstStyle/>
-          <a:p>
-            <a:endParaRPr lang="pt-BR"/>
           </a:p>
         </p:txBody>
       </p:sp>
     </p:spTree>
     <p:extLst>
       <p:ext uri="{BB962C8B-B14F-4D97-AF65-F5344CB8AC3E}">
-        <p14:creationId xmlns:p14="http://schemas.microsoft.com/office/powerpoint/2010/main" val="3794784355"/>
+        <p14:creationId xmlns:p14="http://schemas.microsoft.com/office/powerpoint/2010/main" val="2967725874"/>
       </p:ext>
     </p:extLst>
   </p:cSld>
@@ -6581,6 +6766,141 @@
     <p:extLst>
       <p:ext uri="{BB962C8B-B14F-4D97-AF65-F5344CB8AC3E}">
         <p14:creationId xmlns:p14="http://schemas.microsoft.com/office/powerpoint/2010/main" val="282064680"/>
+      </p:ext>
+    </p:extLst>
+  </p:cSld>
+  <p:clrMapOvr>
+    <a:masterClrMapping/>
+  </p:clrMapOvr>
+</p:sld>
+</file>
+
+<file path=ppt/slides/slide20.xml><?xml version="1.0" encoding="utf-8"?>
+<p:sld xmlns:a="http://schemas.openxmlformats.org/drawingml/2006/main" xmlns:r="http://schemas.openxmlformats.org/officeDocument/2006/relationships" xmlns:p="http://schemas.openxmlformats.org/presentationml/2006/main">
+  <p:cSld>
+    <p:spTree>
+      <p:nvGrpSpPr>
+        <p:cNvPr id="1" name=""/>
+        <p:cNvGrpSpPr/>
+        <p:nvPr/>
+      </p:nvGrpSpPr>
+      <p:grpSpPr>
+        <a:xfrm>
+          <a:off x="0" y="0"/>
+          <a:ext cx="0" cy="0"/>
+          <a:chOff x="0" y="0"/>
+          <a:chExt cx="0" cy="0"/>
+        </a:xfrm>
+      </p:grpSpPr>
+      <p:sp>
+        <p:nvSpPr>
+          <p:cNvPr id="6" name="Título 5"/>
+          <p:cNvSpPr>
+            <a:spLocks noGrp="1"/>
+          </p:cNvSpPr>
+          <p:nvPr>
+            <p:ph type="title"/>
+          </p:nvPr>
+        </p:nvSpPr>
+        <p:spPr/>
+        <p:txBody>
+          <a:bodyPr/>
+          <a:lstStyle/>
+          <a:p>
+            <a:pPr algn="l"/>
+            <a:r>
+              <a:rPr lang="pt-BR" dirty="0" err="1" smtClean="0"/>
+              <a:t>Good</a:t>
+            </a:r>
+            <a:r>
+              <a:rPr lang="pt-BR" dirty="0" smtClean="0"/>
+              <a:t> </a:t>
+            </a:r>
+            <a:r>
+              <a:rPr lang="pt-BR" dirty="0" err="1" smtClean="0"/>
+              <a:t>Reads</a:t>
+            </a:r>
+            <a:r>
+              <a:rPr lang="pt-BR" dirty="0" smtClean="0"/>
+              <a:t> API use</a:t>
+            </a:r>
+            <a:endParaRPr lang="pt-BR" dirty="0"/>
+          </a:p>
+        </p:txBody>
+      </p:sp>
+      <p:pic>
+        <p:nvPicPr>
+          <p:cNvPr id="12" name="Espaço Reservado para Conteúdo 11"/>
+          <p:cNvPicPr>
+            <a:picLocks noGrp="1" noChangeAspect="1"/>
+          </p:cNvPicPr>
+          <p:nvPr>
+            <p:ph sz="half" idx="2"/>
+          </p:nvPr>
+        </p:nvPicPr>
+        <p:blipFill>
+          <a:blip r:embed="rId2"/>
+          <a:stretch>
+            <a:fillRect/>
+          </a:stretch>
+        </p:blipFill>
+        <p:spPr>
+          <a:xfrm>
+            <a:off x="821149" y="2117559"/>
+            <a:ext cx="4663653" cy="3994445"/>
+          </a:xfrm>
+          <a:prstGeom prst="rect">
+            <a:avLst/>
+          </a:prstGeom>
+        </p:spPr>
+      </p:pic>
+      <p:sp>
+        <p:nvSpPr>
+          <p:cNvPr id="17" name="Espaço Reservado para Conteúdo 16"/>
+          <p:cNvSpPr>
+            <a:spLocks noGrp="1"/>
+          </p:cNvSpPr>
+          <p:nvPr>
+            <p:ph sz="quarter" idx="4"/>
+          </p:nvPr>
+        </p:nvSpPr>
+        <p:spPr/>
+        <p:txBody>
+          <a:bodyPr/>
+          <a:lstStyle/>
+          <a:p>
+            <a:endParaRPr lang="pt-BR"/>
+          </a:p>
+        </p:txBody>
+      </p:sp>
+      <p:pic>
+        <p:nvPicPr>
+          <p:cNvPr id="14" name="Imagem 13"/>
+          <p:cNvPicPr>
+            <a:picLocks noChangeAspect="1"/>
+          </p:cNvPicPr>
+          <p:nvPr/>
+        </p:nvPicPr>
+        <p:blipFill>
+          <a:blip r:embed="rId3"/>
+          <a:stretch>
+            <a:fillRect/>
+          </a:stretch>
+        </p:blipFill>
+        <p:spPr>
+          <a:xfrm>
+            <a:off x="5775158" y="2117559"/>
+            <a:ext cx="5666623" cy="3994446"/>
+          </a:xfrm>
+          <a:prstGeom prst="rect">
+            <a:avLst/>
+          </a:prstGeom>
+        </p:spPr>
+      </p:pic>
+    </p:spTree>
+    <p:extLst>
+      <p:ext uri="{BB962C8B-B14F-4D97-AF65-F5344CB8AC3E}">
+        <p14:creationId xmlns:p14="http://schemas.microsoft.com/office/powerpoint/2010/main" val="1938430694"/>
       </p:ext>
     </p:extLst>
   </p:cSld>
@@ -6921,6 +7241,194 @@
           <a:chExt cx="0" cy="0"/>
         </a:xfrm>
       </p:grpSpPr>
+      <p:sp>
+        <p:nvSpPr>
+          <p:cNvPr id="2" name="Retângulo 1"/>
+          <p:cNvSpPr/>
+          <p:nvPr/>
+        </p:nvSpPr>
+        <p:spPr>
+          <a:xfrm>
+            <a:off x="2399413" y="2752476"/>
+            <a:ext cx="6096000" cy="3139321"/>
+          </a:xfrm>
+          <a:prstGeom prst="rect">
+            <a:avLst/>
+          </a:prstGeom>
+        </p:spPr>
+        <p:txBody>
+          <a:bodyPr>
+            <a:spAutoFit/>
+          </a:bodyPr>
+          <a:lstStyle/>
+          <a:p>
+            <a:r>
+              <a:rPr lang="en-US" dirty="0"/>
+              <a:t>#Logout: Logged in users should be able to log out of the site.</a:t>
+            </a:r>
+          </a:p>
+          <a:p>
+            <a:r>
+              <a:rPr lang="en-US" dirty="0"/>
+              <a:t>@</a:t>
+            </a:r>
+            <a:r>
+              <a:rPr lang="en-US" dirty="0" err="1"/>
+              <a:t>app.route</a:t>
+            </a:r>
+            <a:r>
+              <a:rPr lang="en-US" dirty="0"/>
+              <a:t>('/logout')</a:t>
+            </a:r>
+          </a:p>
+          <a:p>
+            <a:r>
+              <a:rPr lang="en-US" dirty="0" err="1"/>
+              <a:t>def</a:t>
+            </a:r>
+            <a:r>
+              <a:rPr lang="en-US" dirty="0"/>
+              <a:t> logout():</a:t>
+            </a:r>
+          </a:p>
+          <a:p>
+            <a:r>
+              <a:rPr lang="en-US" dirty="0"/>
+              <a:t>    session['user'] = ""</a:t>
+            </a:r>
+          </a:p>
+          <a:p>
+            <a:r>
+              <a:rPr lang="en-US" dirty="0"/>
+              <a:t>    # clear user credentials</a:t>
+            </a:r>
+          </a:p>
+          <a:p>
+            <a:r>
+              <a:rPr lang="en-US" dirty="0"/>
+              <a:t>    </a:t>
+            </a:r>
+            <a:r>
+              <a:rPr lang="en-US" dirty="0" err="1"/>
+              <a:t>session.clear</a:t>
+            </a:r>
+            <a:r>
+              <a:rPr lang="en-US" dirty="0"/>
+              <a:t>()</a:t>
+            </a:r>
+          </a:p>
+          <a:p>
+            <a:r>
+              <a:rPr lang="en-US" dirty="0"/>
+              <a:t>    #close connection</a:t>
+            </a:r>
+          </a:p>
+          <a:p>
+            <a:r>
+              <a:rPr lang="en-US" dirty="0"/>
+              <a:t>    </a:t>
+            </a:r>
+            <a:r>
+              <a:rPr lang="en-US" dirty="0" err="1"/>
+              <a:t>db.close</a:t>
+            </a:r>
+            <a:r>
+              <a:rPr lang="en-US" dirty="0"/>
+              <a:t>()</a:t>
+            </a:r>
+          </a:p>
+          <a:p>
+            <a:endParaRPr lang="en-US" dirty="0"/>
+          </a:p>
+          <a:p>
+            <a:r>
+              <a:rPr lang="en-US" dirty="0"/>
+              <a:t>    # Redirect user to index form</a:t>
+            </a:r>
+          </a:p>
+          <a:p>
+            <a:r>
+              <a:rPr lang="en-US" dirty="0"/>
+              <a:t>    return redirect(</a:t>
+            </a:r>
+            <a:r>
+              <a:rPr lang="en-US" dirty="0" err="1"/>
+              <a:t>url_for</a:t>
+            </a:r>
+            <a:r>
+              <a:rPr lang="en-US" dirty="0"/>
+              <a:t>('index'))</a:t>
+            </a:r>
+          </a:p>
+        </p:txBody>
+      </p:sp>
+      <p:pic>
+        <p:nvPicPr>
+          <p:cNvPr id="3" name="Imagem 2"/>
+          <p:cNvPicPr>
+            <a:picLocks noChangeAspect="1"/>
+          </p:cNvPicPr>
+          <p:nvPr/>
+        </p:nvPicPr>
+        <p:blipFill>
+          <a:blip r:embed="rId2"/>
+          <a:stretch>
+            <a:fillRect/>
+          </a:stretch>
+        </p:blipFill>
+        <p:spPr>
+          <a:xfrm>
+            <a:off x="2869793" y="1353325"/>
+            <a:ext cx="3305175" cy="600075"/>
+          </a:xfrm>
+          <a:prstGeom prst="rect">
+            <a:avLst/>
+          </a:prstGeom>
+        </p:spPr>
+      </p:pic>
+      <p:sp>
+        <p:nvSpPr>
+          <p:cNvPr id="4" name="Seta para a direita 3"/>
+          <p:cNvSpPr/>
+          <p:nvPr/>
+        </p:nvSpPr>
+        <p:spPr>
+          <a:xfrm rot="10800000">
+            <a:off x="7081284" y="1212112"/>
+            <a:ext cx="2020186" cy="903767"/>
+          </a:xfrm>
+          <a:prstGeom prst="rightArrow">
+            <a:avLst/>
+          </a:prstGeom>
+          <a:solidFill>
+            <a:srgbClr val="FF0000"/>
+          </a:solidFill>
+        </p:spPr>
+        <p:style>
+          <a:lnRef idx="2">
+            <a:schemeClr val="accent1">
+              <a:shade val="50000"/>
+            </a:schemeClr>
+          </a:lnRef>
+          <a:fillRef idx="1">
+            <a:schemeClr val="accent1"/>
+          </a:fillRef>
+          <a:effectRef idx="0">
+            <a:schemeClr val="accent1"/>
+          </a:effectRef>
+          <a:fontRef idx="minor">
+            <a:schemeClr val="lt1"/>
+          </a:fontRef>
+        </p:style>
+        <p:txBody>
+          <a:bodyPr rtlCol="0" anchor="ctr"/>
+          <a:lstStyle/>
+          <a:p>
+            <a:pPr algn="ctr"/>
+            <a:endParaRPr lang="pt-BR"/>
+          </a:p>
+        </p:txBody>
+      </p:sp>
     </p:spTree>
     <p:extLst>
       <p:ext uri="{BB962C8B-B14F-4D97-AF65-F5344CB8AC3E}">

--- a/static/CS50W – Project1.pptx
+++ b/static/CS50W – Project1.pptx
@@ -11,20 +11,22 @@
     <p:sldId id="262" r:id="rId5"/>
     <p:sldId id="259" r:id="rId6"/>
     <p:sldId id="274" r:id="rId7"/>
-    <p:sldId id="261" r:id="rId8"/>
-    <p:sldId id="263" r:id="rId9"/>
-    <p:sldId id="260" r:id="rId10"/>
-    <p:sldId id="264" r:id="rId11"/>
-    <p:sldId id="275" r:id="rId12"/>
-    <p:sldId id="265" r:id="rId13"/>
-    <p:sldId id="266" r:id="rId14"/>
-    <p:sldId id="273" r:id="rId15"/>
-    <p:sldId id="267" r:id="rId16"/>
-    <p:sldId id="269" r:id="rId17"/>
-    <p:sldId id="268" r:id="rId18"/>
-    <p:sldId id="270" r:id="rId19"/>
-    <p:sldId id="271" r:id="rId20"/>
-    <p:sldId id="272" r:id="rId21"/>
+    <p:sldId id="277" r:id="rId8"/>
+    <p:sldId id="261" r:id="rId9"/>
+    <p:sldId id="263" r:id="rId10"/>
+    <p:sldId id="260" r:id="rId11"/>
+    <p:sldId id="264" r:id="rId12"/>
+    <p:sldId id="275" r:id="rId13"/>
+    <p:sldId id="265" r:id="rId14"/>
+    <p:sldId id="266" r:id="rId15"/>
+    <p:sldId id="273" r:id="rId16"/>
+    <p:sldId id="267" r:id="rId17"/>
+    <p:sldId id="269" r:id="rId18"/>
+    <p:sldId id="268" r:id="rId19"/>
+    <p:sldId id="270" r:id="rId20"/>
+    <p:sldId id="276" r:id="rId21"/>
+    <p:sldId id="271" r:id="rId22"/>
+    <p:sldId id="272" r:id="rId23"/>
   </p:sldIdLst>
   <p:sldSz cx="12192000" cy="6858000"/>
   <p:notesSz cx="6858000" cy="9144000"/>
@@ -123,6 +125,11 @@
       </a:defRPr>
     </a:lvl9pPr>
   </p:defaultTextStyle>
+  <p:extLst>
+    <p:ext uri="{EFAFB233-063F-42B5-8137-9DF3F51BA10A}">
+      <p15:sldGuideLst xmlns:p15="http://schemas.microsoft.com/office/powerpoint/2012/main"/>
+    </p:ext>
+  </p:extLst>
 </p:presentation>
 </file>
 
@@ -458,7 +465,7 @@
             <a:fld id="{B61BEF0D-F0BB-DE4B-95CE-6DB70DBA9567}" type="datetimeFigureOut">
               <a:rPr lang="en-US" dirty="0"/>
               <a:pPr/>
-              <a:t>6/20/2020</a:t>
+              <a:t>6/21/2020</a:t>
             </a:fld>
             <a:endParaRPr lang="en-US" dirty="0"/>
           </a:p>
@@ -779,7 +786,7 @@
             <a:fld id="{B61BEF0D-F0BB-DE4B-95CE-6DB70DBA9567}" type="datetimeFigureOut">
               <a:rPr lang="en-US" dirty="0"/>
               <a:pPr/>
-              <a:t>6/20/2020</a:t>
+              <a:t>6/21/2020</a:t>
             </a:fld>
             <a:endParaRPr lang="en-US" dirty="0"/>
           </a:p>
@@ -1024,7 +1031,7 @@
             <a:fld id="{B61BEF0D-F0BB-DE4B-95CE-6DB70DBA9567}" type="datetimeFigureOut">
               <a:rPr lang="en-US" dirty="0"/>
               <a:pPr/>
-              <a:t>6/20/2020</a:t>
+              <a:t>6/21/2020</a:t>
             </a:fld>
             <a:endParaRPr lang="en-US" dirty="0"/>
           </a:p>
@@ -1360,7 +1367,7 @@
             <a:fld id="{B61BEF0D-F0BB-DE4B-95CE-6DB70DBA9567}" type="datetimeFigureOut">
               <a:rPr lang="en-US" dirty="0"/>
               <a:pPr/>
-              <a:t>6/20/2020</a:t>
+              <a:t>6/21/2020</a:t>
             </a:fld>
             <a:endParaRPr lang="en-US" dirty="0"/>
           </a:p>
@@ -1704,7 +1711,7 @@
             <a:fld id="{B61BEF0D-F0BB-DE4B-95CE-6DB70DBA9567}" type="datetimeFigureOut">
               <a:rPr lang="en-US" dirty="0"/>
               <a:pPr/>
-              <a:t>6/20/2020</a:t>
+              <a:t>6/21/2020</a:t>
             </a:fld>
             <a:endParaRPr lang="en-US" dirty="0"/>
           </a:p>
@@ -2075,7 +2082,7 @@
             <a:fld id="{B61BEF0D-F0BB-DE4B-95CE-6DB70DBA9567}" type="datetimeFigureOut">
               <a:rPr lang="en-US" dirty="0"/>
               <a:pPr/>
-              <a:t>6/20/2020</a:t>
+              <a:t>6/21/2020</a:t>
             </a:fld>
             <a:endParaRPr lang="en-US" dirty="0"/>
           </a:p>
@@ -2542,7 +2549,7 @@
             <a:fld id="{B61BEF0D-F0BB-DE4B-95CE-6DB70DBA9567}" type="datetimeFigureOut">
               <a:rPr lang="en-US" dirty="0"/>
               <a:pPr/>
-              <a:t>6/20/2020</a:t>
+              <a:t>6/21/2020</a:t>
             </a:fld>
             <a:endParaRPr lang="en-US" dirty="0"/>
           </a:p>
@@ -2744,7 +2751,7 @@
             <a:fld id="{B61BEF0D-F0BB-DE4B-95CE-6DB70DBA9567}" type="datetimeFigureOut">
               <a:rPr lang="en-US" dirty="0"/>
               <a:pPr/>
-              <a:t>6/20/2020</a:t>
+              <a:t>6/21/2020</a:t>
             </a:fld>
             <a:endParaRPr lang="en-US" dirty="0"/>
           </a:p>
@@ -2952,7 +2959,7 @@
             <a:fld id="{B61BEF0D-F0BB-DE4B-95CE-6DB70DBA9567}" type="datetimeFigureOut">
               <a:rPr lang="en-US" dirty="0"/>
               <a:pPr/>
-              <a:t>6/20/2020</a:t>
+              <a:t>6/21/2020</a:t>
             </a:fld>
             <a:endParaRPr lang="en-US" dirty="0"/>
           </a:p>
@@ -3180,7 +3187,7 @@
           <a:p>
             <a:fld id="{52647F38-B617-4D2F-AE0A-013F0C4D2C57}" type="datetimeFigureOut">
               <a:rPr lang="en-US" dirty="0"/>
-              <a:t>6/20/2020</a:t>
+              <a:t>6/21/2020</a:t>
             </a:fld>
             <a:endParaRPr lang="en-US" dirty="0"/>
           </a:p>
@@ -3424,7 +3431,7 @@
             <a:fld id="{B61BEF0D-F0BB-DE4B-95CE-6DB70DBA9567}" type="datetimeFigureOut">
               <a:rPr lang="en-US" dirty="0"/>
               <a:pPr/>
-              <a:t>6/20/2020</a:t>
+              <a:t>6/21/2020</a:t>
             </a:fld>
             <a:endParaRPr lang="en-US" dirty="0"/>
           </a:p>
@@ -3718,7 +3725,7 @@
           <a:p>
             <a:fld id="{05BFA754-D5C3-4E66-96A6-867B257F58DC}" type="datetimeFigureOut">
               <a:rPr lang="en-US" dirty="0"/>
-              <a:t>6/20/2020</a:t>
+              <a:t>6/21/2020</a:t>
             </a:fld>
             <a:endParaRPr lang="en-US" dirty="0"/>
           </a:p>
@@ -4108,7 +4115,7 @@
             <a:fld id="{B61BEF0D-F0BB-DE4B-95CE-6DB70DBA9567}" type="datetimeFigureOut">
               <a:rPr lang="en-US" dirty="0"/>
               <a:pPr/>
-              <a:t>6/20/2020</a:t>
+              <a:t>6/21/2020</a:t>
             </a:fld>
             <a:endParaRPr lang="en-US" dirty="0"/>
           </a:p>
@@ -4254,7 +4261,7 @@
             <a:fld id="{B61BEF0D-F0BB-DE4B-95CE-6DB70DBA9567}" type="datetimeFigureOut">
               <a:rPr lang="en-US" dirty="0"/>
               <a:pPr/>
-              <a:t>6/20/2020</a:t>
+              <a:t>6/21/2020</a:t>
             </a:fld>
             <a:endParaRPr lang="en-US" dirty="0"/>
           </a:p>
@@ -4377,7 +4384,7 @@
             <a:fld id="{B61BEF0D-F0BB-DE4B-95CE-6DB70DBA9567}" type="datetimeFigureOut">
               <a:rPr lang="en-US" dirty="0"/>
               <a:pPr/>
-              <a:t>6/20/2020</a:t>
+              <a:t>6/21/2020</a:t>
             </a:fld>
             <a:endParaRPr lang="en-US" dirty="0"/>
           </a:p>
@@ -4629,7 +4636,7 @@
             <a:fld id="{B61BEF0D-F0BB-DE4B-95CE-6DB70DBA9567}" type="datetimeFigureOut">
               <a:rPr lang="en-US" dirty="0"/>
               <a:pPr/>
-              <a:t>6/20/2020</a:t>
+              <a:t>6/21/2020</a:t>
             </a:fld>
             <a:endParaRPr lang="en-US" dirty="0"/>
           </a:p>
@@ -4941,7 +4948,7 @@
             <a:fld id="{B61BEF0D-F0BB-DE4B-95CE-6DB70DBA9567}" type="datetimeFigureOut">
               <a:rPr lang="en-US" dirty="0"/>
               <a:pPr/>
-              <a:t>6/20/2020</a:t>
+              <a:t>6/21/2020</a:t>
             </a:fld>
             <a:endParaRPr lang="en-US" dirty="0"/>
           </a:p>
@@ -5289,7 +5296,7 @@
             <a:fld id="{B61BEF0D-F0BB-DE4B-95CE-6DB70DBA9567}" type="datetimeFigureOut">
               <a:rPr lang="en-US" dirty="0"/>
               <a:pPr/>
-              <a:t>6/20/2020</a:t>
+              <a:t>6/21/2020</a:t>
             </a:fld>
             <a:endParaRPr lang="en-US" dirty="0"/>
           </a:p>
@@ -5888,10 +5895,103 @@
   <p:clrMapOvr>
     <a:masterClrMapping/>
   </p:clrMapOvr>
+  <p:timing>
+    <p:tnLst>
+      <p:par>
+        <p:cTn id="1" dur="indefinite" restart="never" nodeType="tmRoot"/>
+      </p:par>
+    </p:tnLst>
+  </p:timing>
 </p:sld>
 </file>
 
 <file path=ppt/slides/slide10.xml><?xml version="1.0" encoding="utf-8"?>
+<p:sld xmlns:a="http://schemas.openxmlformats.org/drawingml/2006/main" xmlns:r="http://schemas.openxmlformats.org/officeDocument/2006/relationships" xmlns:p="http://schemas.openxmlformats.org/presentationml/2006/main">
+  <p:cSld>
+    <p:spTree>
+      <p:nvGrpSpPr>
+        <p:cNvPr id="1" name=""/>
+        <p:cNvGrpSpPr/>
+        <p:nvPr/>
+      </p:nvGrpSpPr>
+      <p:grpSpPr>
+        <a:xfrm>
+          <a:off x="0" y="0"/>
+          <a:ext cx="0" cy="0"/>
+          <a:chOff x="0" y="0"/>
+          <a:chExt cx="0" cy="0"/>
+        </a:xfrm>
+      </p:grpSpPr>
+      <p:sp>
+        <p:nvSpPr>
+          <p:cNvPr id="2" name="Título 1"/>
+          <p:cNvSpPr>
+            <a:spLocks noGrp="1"/>
+          </p:cNvSpPr>
+          <p:nvPr>
+            <p:ph type="title"/>
+          </p:nvPr>
+        </p:nvSpPr>
+        <p:spPr/>
+        <p:txBody>
+          <a:bodyPr/>
+          <a:lstStyle/>
+          <a:p>
+            <a:r>
+              <a:rPr lang="pt-BR" dirty="0" err="1" smtClean="0"/>
+              <a:t>Import</a:t>
+            </a:r>
+            <a:endParaRPr lang="pt-BR" dirty="0"/>
+          </a:p>
+        </p:txBody>
+      </p:sp>
+      <p:sp>
+        <p:nvSpPr>
+          <p:cNvPr id="3" name="Espaço Reservado para Texto 2"/>
+          <p:cNvSpPr>
+            <a:spLocks noGrp="1"/>
+          </p:cNvSpPr>
+          <p:nvPr>
+            <p:ph idx="1"/>
+          </p:nvPr>
+        </p:nvSpPr>
+        <p:spPr/>
+        <p:txBody>
+          <a:bodyPr>
+            <a:normAutofit lnSpcReduction="10000"/>
+          </a:bodyPr>
+          <a:lstStyle/>
+          <a:p>
+            <a:pPr algn="just"/>
+            <a:r>
+              <a:rPr lang="en-US" dirty="0"/>
+              <a:t>Provided for you in this project is a file called books.csv, which is a spreadsheet in CSV format of 5000 different books. Each one has an ISBN number, a title, an author, and a publication year. In a Python file called import.py separate from your web application, write a program that will take the books and import them into your PostgreSQL database. You will first need to decide what table(s) to create, what columns those tables should have, and how they should relate to one another. Run this program by running python3 import.py to import the books into your database, and submit this program with the rest of your project code.</a:t>
+            </a:r>
+            <a:endParaRPr lang="pt-BR" dirty="0"/>
+          </a:p>
+        </p:txBody>
+      </p:sp>
+    </p:spTree>
+    <p:extLst>
+      <p:ext uri="{BB962C8B-B14F-4D97-AF65-F5344CB8AC3E}">
+        <p14:creationId xmlns:p14="http://schemas.microsoft.com/office/powerpoint/2010/main" val="2259570420"/>
+      </p:ext>
+    </p:extLst>
+  </p:cSld>
+  <p:clrMapOvr>
+    <a:masterClrMapping/>
+  </p:clrMapOvr>
+  <p:timing>
+    <p:tnLst>
+      <p:par>
+        <p:cTn id="1" dur="indefinite" restart="never" nodeType="tmRoot"/>
+      </p:par>
+    </p:tnLst>
+  </p:timing>
+</p:sld>
+</file>
+
+<file path=ppt/slides/slide11.xml><?xml version="1.0" encoding="utf-8"?>
 <p:sld xmlns:a="http://schemas.openxmlformats.org/drawingml/2006/main" xmlns:r="http://schemas.openxmlformats.org/officeDocument/2006/relationships" xmlns:p="http://schemas.openxmlformats.org/presentationml/2006/main">
   <p:cSld>
     <p:spTree>
@@ -5942,10 +6042,17 @@
   <p:clrMapOvr>
     <a:masterClrMapping/>
   </p:clrMapOvr>
+  <p:timing>
+    <p:tnLst>
+      <p:par>
+        <p:cTn id="1" dur="indefinite" restart="never" nodeType="tmRoot"/>
+      </p:par>
+    </p:tnLst>
+  </p:timing>
 </p:sld>
 </file>
 
-<file path=ppt/slides/slide11.xml><?xml version="1.0" encoding="utf-8"?>
+<file path=ppt/slides/slide12.xml><?xml version="1.0" encoding="utf-8"?>
 <p:sld xmlns:a="http://schemas.openxmlformats.org/drawingml/2006/main" xmlns:r="http://schemas.openxmlformats.org/officeDocument/2006/relationships" xmlns:p="http://schemas.openxmlformats.org/presentationml/2006/main">
   <p:cSld>
     <p:spTree>
@@ -6073,10 +6180,17 @@
   <p:clrMapOvr>
     <a:masterClrMapping/>
   </p:clrMapOvr>
+  <p:timing>
+    <p:tnLst>
+      <p:par>
+        <p:cTn id="1" dur="indefinite" restart="never" nodeType="tmRoot"/>
+      </p:par>
+    </p:tnLst>
+  </p:timing>
 </p:sld>
 </file>
 
-<file path=ppt/slides/slide12.xml><?xml version="1.0" encoding="utf-8"?>
+<file path=ppt/slides/slide13.xml><?xml version="1.0" encoding="utf-8"?>
 <p:sld xmlns:a="http://schemas.openxmlformats.org/drawingml/2006/main" xmlns:r="http://schemas.openxmlformats.org/officeDocument/2006/relationships" xmlns:p="http://schemas.openxmlformats.org/presentationml/2006/main">
   <p:cSld>
     <p:spTree>
@@ -6151,10 +6265,17 @@
   <p:clrMapOvr>
     <a:masterClrMapping/>
   </p:clrMapOvr>
+  <p:timing>
+    <p:tnLst>
+      <p:par>
+        <p:cTn id="1" dur="indefinite" restart="never" nodeType="tmRoot"/>
+      </p:par>
+    </p:tnLst>
+  </p:timing>
 </p:sld>
 </file>
 
-<file path=ppt/slides/slide13.xml><?xml version="1.0" encoding="utf-8"?>
+<file path=ppt/slides/slide14.xml><?xml version="1.0" encoding="utf-8"?>
 <p:sld xmlns:a="http://schemas.openxmlformats.org/drawingml/2006/main" xmlns:r="http://schemas.openxmlformats.org/officeDocument/2006/relationships" xmlns:p="http://schemas.openxmlformats.org/presentationml/2006/main">
   <p:cSld>
     <p:spTree>
@@ -6205,103 +6326,13 @@
   <p:clrMapOvr>
     <a:masterClrMapping/>
   </p:clrMapOvr>
-</p:sld>
-</file>
-
-<file path=ppt/slides/slide14.xml><?xml version="1.0" encoding="utf-8"?>
-<p:sld xmlns:a="http://schemas.openxmlformats.org/drawingml/2006/main" xmlns:r="http://schemas.openxmlformats.org/officeDocument/2006/relationships" xmlns:p="http://schemas.openxmlformats.org/presentationml/2006/main">
-  <p:cSld>
-    <p:spTree>
-      <p:nvGrpSpPr>
-        <p:cNvPr id="1" name=""/>
-        <p:cNvGrpSpPr/>
-        <p:nvPr/>
-      </p:nvGrpSpPr>
-      <p:grpSpPr>
-        <a:xfrm>
-          <a:off x="0" y="0"/>
-          <a:ext cx="0" cy="0"/>
-          <a:chOff x="0" y="0"/>
-          <a:chExt cx="0" cy="0"/>
-        </a:xfrm>
-      </p:grpSpPr>
-      <p:sp>
-        <p:nvSpPr>
-          <p:cNvPr id="4" name="Título 3"/>
-          <p:cNvSpPr>
-            <a:spLocks noGrp="1"/>
-          </p:cNvSpPr>
-          <p:nvPr>
-            <p:ph type="title"/>
-          </p:nvPr>
-        </p:nvSpPr>
-        <p:spPr/>
-        <p:txBody>
-          <a:bodyPr>
-            <a:normAutofit fontScale="90000"/>
-          </a:bodyPr>
-          <a:lstStyle/>
-          <a:p>
-            <a:r>
-              <a:rPr lang="en-US" dirty="0"/>
-              <a:t>If the requested ISBN number isn’t in your database, your website should return a 404 error.</a:t>
-            </a:r>
-            <a:endParaRPr lang="pt-BR" dirty="0"/>
-          </a:p>
-        </p:txBody>
-      </p:sp>
-      <p:pic>
-        <p:nvPicPr>
-          <p:cNvPr id="8" name="Espaço Reservado para Imagem 7"/>
-          <p:cNvPicPr>
-            <a:picLocks noGrp="1" noChangeAspect="1"/>
-          </p:cNvPicPr>
-          <p:nvPr>
-            <p:ph type="pic" idx="1"/>
-          </p:nvPr>
-        </p:nvPicPr>
-        <p:blipFill>
-          <a:blip r:embed="rId2"/>
-          <a:srcRect t="14877" b="14877"/>
-          <a:stretch>
-            <a:fillRect/>
-          </a:stretch>
-        </p:blipFill>
-        <p:spPr>
-          <a:prstGeom prst="rect">
-            <a:avLst/>
-          </a:prstGeom>
-        </p:spPr>
-      </p:pic>
-      <p:sp>
-        <p:nvSpPr>
-          <p:cNvPr id="7" name="Espaço Reservado para Texto 6"/>
-          <p:cNvSpPr>
-            <a:spLocks noGrp="1"/>
-          </p:cNvSpPr>
-          <p:nvPr>
-            <p:ph type="body" sz="half" idx="2"/>
-          </p:nvPr>
-        </p:nvSpPr>
-        <p:spPr/>
-        <p:txBody>
-          <a:bodyPr/>
-          <a:lstStyle/>
-          <a:p>
-            <a:endParaRPr lang="pt-BR"/>
-          </a:p>
-        </p:txBody>
-      </p:sp>
-    </p:spTree>
-    <p:extLst>
-      <p:ext uri="{BB962C8B-B14F-4D97-AF65-F5344CB8AC3E}">
-        <p14:creationId xmlns:p14="http://schemas.microsoft.com/office/powerpoint/2010/main" val="3794784355"/>
-      </p:ext>
-    </p:extLst>
-  </p:cSld>
-  <p:clrMapOvr>
-    <a:masterClrMapping/>
-  </p:clrMapOvr>
+  <p:timing>
+    <p:tnLst>
+      <p:par>
+        <p:cTn id="1" dur="indefinite" restart="never" nodeType="tmRoot"/>
+      </p:par>
+    </p:tnLst>
+  </p:timing>
 </p:sld>
 </file>
 
@@ -6334,6 +6365,91 @@
         </p:nvSpPr>
         <p:spPr/>
         <p:txBody>
+          <a:bodyPr>
+            <a:normAutofit fontScale="90000"/>
+          </a:bodyPr>
+          <a:lstStyle/>
+          <a:p>
+            <a:r>
+              <a:rPr lang="en-US" dirty="0"/>
+              <a:t>If the requested ISBN number isn’t in your database, your website should return a 404 error.</a:t>
+            </a:r>
+            <a:endParaRPr lang="pt-BR" dirty="0"/>
+          </a:p>
+        </p:txBody>
+      </p:sp>
+      <p:pic>
+        <p:nvPicPr>
+          <p:cNvPr id="8" name="Espaço Reservado para Imagem 7"/>
+          <p:cNvPicPr>
+            <a:picLocks noGrp="1" noChangeAspect="1"/>
+          </p:cNvPicPr>
+          <p:nvPr>
+            <p:ph type="pic" idx="1"/>
+          </p:nvPr>
+        </p:nvPicPr>
+        <p:blipFill>
+          <a:blip r:embed="rId2"/>
+          <a:srcRect t="14877" b="14877"/>
+          <a:stretch>
+            <a:fillRect/>
+          </a:stretch>
+        </p:blipFill>
+        <p:spPr>
+          <a:prstGeom prst="rect">
+            <a:avLst/>
+          </a:prstGeom>
+        </p:spPr>
+      </p:pic>
+    </p:spTree>
+    <p:extLst>
+      <p:ext uri="{BB962C8B-B14F-4D97-AF65-F5344CB8AC3E}">
+        <p14:creationId xmlns:p14="http://schemas.microsoft.com/office/powerpoint/2010/main" val="3794784355"/>
+      </p:ext>
+    </p:extLst>
+  </p:cSld>
+  <p:clrMapOvr>
+    <a:masterClrMapping/>
+  </p:clrMapOvr>
+  <p:timing>
+    <p:tnLst>
+      <p:par>
+        <p:cTn id="1" dur="indefinite" restart="never" nodeType="tmRoot"/>
+      </p:par>
+    </p:tnLst>
+  </p:timing>
+</p:sld>
+</file>
+
+<file path=ppt/slides/slide16.xml><?xml version="1.0" encoding="utf-8"?>
+<p:sld xmlns:a="http://schemas.openxmlformats.org/drawingml/2006/main" xmlns:r="http://schemas.openxmlformats.org/officeDocument/2006/relationships" xmlns:p="http://schemas.openxmlformats.org/presentationml/2006/main">
+  <p:cSld>
+    <p:spTree>
+      <p:nvGrpSpPr>
+        <p:cNvPr id="1" name=""/>
+        <p:cNvGrpSpPr/>
+        <p:nvPr/>
+      </p:nvGrpSpPr>
+      <p:grpSpPr>
+        <a:xfrm>
+          <a:off x="0" y="0"/>
+          <a:ext cx="0" cy="0"/>
+          <a:chOff x="0" y="0"/>
+          <a:chExt cx="0" cy="0"/>
+        </a:xfrm>
+      </p:grpSpPr>
+      <p:sp>
+        <p:nvSpPr>
+          <p:cNvPr id="4" name="Título 3"/>
+          <p:cNvSpPr>
+            <a:spLocks noGrp="1"/>
+          </p:cNvSpPr>
+          <p:nvPr>
+            <p:ph type="title"/>
+          </p:nvPr>
+        </p:nvSpPr>
+        <p:spPr/>
+        <p:txBody>
           <a:bodyPr/>
           <a:lstStyle/>
           <a:p>
@@ -6378,10 +6494,169 @@
   <p:clrMapOvr>
     <a:masterClrMapping/>
   </p:clrMapOvr>
+  <p:timing>
+    <p:tnLst>
+      <p:par>
+        <p:cTn id="1" dur="indefinite" restart="never" nodeType="tmRoot"/>
+      </p:par>
+    </p:tnLst>
+  </p:timing>
 </p:sld>
 </file>
 
-<file path=ppt/slides/slide16.xml><?xml version="1.0" encoding="utf-8"?>
+<file path=ppt/slides/slide17.xml><?xml version="1.0" encoding="utf-8"?>
+<p:sld xmlns:a="http://schemas.openxmlformats.org/drawingml/2006/main" xmlns:r="http://schemas.openxmlformats.org/officeDocument/2006/relationships" xmlns:p="http://schemas.openxmlformats.org/presentationml/2006/main">
+  <p:cSld>
+    <p:spTree>
+      <p:nvGrpSpPr>
+        <p:cNvPr id="1" name=""/>
+        <p:cNvGrpSpPr/>
+        <p:nvPr/>
+      </p:nvGrpSpPr>
+      <p:grpSpPr>
+        <a:xfrm>
+          <a:off x="0" y="0"/>
+          <a:ext cx="0" cy="0"/>
+          <a:chOff x="0" y="0"/>
+          <a:chExt cx="0" cy="0"/>
+        </a:xfrm>
+      </p:grpSpPr>
+      <p:pic>
+        <p:nvPicPr>
+          <p:cNvPr id="2" name="Imagem 1"/>
+          <p:cNvPicPr>
+            <a:picLocks noChangeAspect="1"/>
+          </p:cNvPicPr>
+          <p:nvPr/>
+        </p:nvPicPr>
+        <p:blipFill>
+          <a:blip r:embed="rId2"/>
+          <a:stretch>
+            <a:fillRect/>
+          </a:stretch>
+        </p:blipFill>
+        <p:spPr>
+          <a:xfrm>
+            <a:off x="785611" y="940558"/>
+            <a:ext cx="10599314" cy="4976884"/>
+          </a:xfrm>
+          <a:prstGeom prst="rect">
+            <a:avLst/>
+          </a:prstGeom>
+        </p:spPr>
+      </p:pic>
+    </p:spTree>
+    <p:extLst>
+      <p:ext uri="{BB962C8B-B14F-4D97-AF65-F5344CB8AC3E}">
+        <p14:creationId xmlns:p14="http://schemas.microsoft.com/office/powerpoint/2010/main" val="4053459927"/>
+      </p:ext>
+    </p:extLst>
+  </p:cSld>
+  <p:clrMapOvr>
+    <a:masterClrMapping/>
+  </p:clrMapOvr>
+  <p:timing>
+    <p:tnLst>
+      <p:par>
+        <p:cTn id="1" dur="indefinite" restart="never" nodeType="tmRoot"/>
+      </p:par>
+    </p:tnLst>
+  </p:timing>
+</p:sld>
+</file>
+
+<file path=ppt/slides/slide18.xml><?xml version="1.0" encoding="utf-8"?>
+<p:sld xmlns:a="http://schemas.openxmlformats.org/drawingml/2006/main" xmlns:r="http://schemas.openxmlformats.org/officeDocument/2006/relationships" xmlns:p="http://schemas.openxmlformats.org/presentationml/2006/main">
+  <p:cSld>
+    <p:spTree>
+      <p:nvGrpSpPr>
+        <p:cNvPr id="1" name=""/>
+        <p:cNvGrpSpPr/>
+        <p:nvPr/>
+      </p:nvGrpSpPr>
+      <p:grpSpPr>
+        <a:xfrm>
+          <a:off x="0" y="0"/>
+          <a:ext cx="0" cy="0"/>
+          <a:chOff x="0" y="0"/>
+          <a:chExt cx="0" cy="0"/>
+        </a:xfrm>
+      </p:grpSpPr>
+      <p:sp>
+        <p:nvSpPr>
+          <p:cNvPr id="4" name="Título 3"/>
+          <p:cNvSpPr>
+            <a:spLocks noGrp="1"/>
+          </p:cNvSpPr>
+          <p:nvPr>
+            <p:ph type="title"/>
+          </p:nvPr>
+        </p:nvSpPr>
+        <p:spPr/>
+        <p:txBody>
+          <a:bodyPr/>
+          <a:lstStyle/>
+          <a:p>
+            <a:r>
+              <a:rPr lang="pt-BR" dirty="0" err="1" smtClean="0"/>
+              <a:t>Review</a:t>
+            </a:r>
+            <a:r>
+              <a:rPr lang="pt-BR" dirty="0" smtClean="0"/>
+              <a:t> </a:t>
+            </a:r>
+            <a:r>
+              <a:rPr lang="pt-BR" dirty="0" err="1" smtClean="0"/>
+              <a:t>Submission</a:t>
+            </a:r>
+            <a:endParaRPr lang="pt-BR" dirty="0"/>
+          </a:p>
+        </p:txBody>
+      </p:sp>
+      <p:sp>
+        <p:nvSpPr>
+          <p:cNvPr id="5" name="Espaço Reservado para Conteúdo 4"/>
+          <p:cNvSpPr>
+            <a:spLocks noGrp="1"/>
+          </p:cNvSpPr>
+          <p:nvPr>
+            <p:ph idx="1"/>
+          </p:nvPr>
+        </p:nvSpPr>
+        <p:spPr/>
+        <p:txBody>
+          <a:bodyPr/>
+          <a:lstStyle/>
+          <a:p>
+            <a:r>
+              <a:rPr lang="en-US" dirty="0"/>
+              <a:t>On the book page, users should be able to submit a review: consisting of a rating on a scale of 1 to 5, as well as a text component to the review where the user can write their opinion about a book. Users should not be able to submit multiple reviews for the same book.</a:t>
+            </a:r>
+            <a:endParaRPr lang="pt-BR" dirty="0"/>
+          </a:p>
+        </p:txBody>
+      </p:sp>
+    </p:spTree>
+    <p:extLst>
+      <p:ext uri="{BB962C8B-B14F-4D97-AF65-F5344CB8AC3E}">
+        <p14:creationId xmlns:p14="http://schemas.microsoft.com/office/powerpoint/2010/main" val="2257838915"/>
+      </p:ext>
+    </p:extLst>
+  </p:cSld>
+  <p:clrMapOvr>
+    <a:masterClrMapping/>
+  </p:clrMapOvr>
+  <p:timing>
+    <p:tnLst>
+      <p:par>
+        <p:cTn id="1" dur="indefinite" restart="never" nodeType="tmRoot"/>
+      </p:par>
+    </p:tnLst>
+  </p:timing>
+</p:sld>
+</file>
+
+<file path=ppt/slides/slide19.xml><?xml version="1.0" encoding="utf-8"?>
 <p:sld xmlns:a="http://schemas.openxmlformats.org/drawingml/2006/main" xmlns:r="http://schemas.openxmlformats.org/officeDocument/2006/relationships" xmlns:p="http://schemas.openxmlformats.org/presentationml/2006/main">
   <p:cSld>
     <p:spTree>
@@ -6414,8 +6689,8 @@
         </p:blipFill>
         <p:spPr>
           <a:xfrm>
-            <a:off x="759854" y="664639"/>
-            <a:ext cx="10715222" cy="5528721"/>
+            <a:off x="759853" y="762000"/>
+            <a:ext cx="10650829" cy="5334000"/>
           </a:xfrm>
           <a:prstGeom prst="rect">
             <a:avLst/>
@@ -6425,17 +6700,24 @@
     </p:spTree>
     <p:extLst>
       <p:ext uri="{BB962C8B-B14F-4D97-AF65-F5344CB8AC3E}">
-        <p14:creationId xmlns:p14="http://schemas.microsoft.com/office/powerpoint/2010/main" val="4053459927"/>
+        <p14:creationId xmlns:p14="http://schemas.microsoft.com/office/powerpoint/2010/main" val="3170922690"/>
       </p:ext>
     </p:extLst>
   </p:cSld>
   <p:clrMapOvr>
     <a:masterClrMapping/>
   </p:clrMapOvr>
+  <p:timing>
+    <p:tnLst>
+      <p:par>
+        <p:cTn id="1" dur="indefinite" restart="never" nodeType="tmRoot"/>
+      </p:par>
+    </p:tnLst>
+  </p:timing>
 </p:sld>
 </file>
 
-<file path=ppt/slides/slide17.xml><?xml version="1.0" encoding="utf-8"?>
+<file path=ppt/slides/slide2.xml><?xml version="1.0" encoding="utf-8"?>
 <p:sld xmlns:a="http://schemas.openxmlformats.org/drawingml/2006/main" xmlns:r="http://schemas.openxmlformats.org/officeDocument/2006/relationships" xmlns:p="http://schemas.openxmlformats.org/presentationml/2006/main">
   <p:cSld>
     <p:spTree>
@@ -6454,7 +6736,7 @@
       </p:grpSpPr>
       <p:sp>
         <p:nvSpPr>
-          <p:cNvPr id="4" name="Título 3"/>
+          <p:cNvPr id="2" name="Título 1"/>
           <p:cNvSpPr>
             <a:spLocks noGrp="1"/>
           </p:cNvSpPr>
@@ -6469,15 +6751,7 @@
           <a:p>
             <a:r>
               <a:rPr lang="pt-BR" dirty="0" err="1" smtClean="0"/>
-              <a:t>Review</a:t>
-            </a:r>
-            <a:r>
-              <a:rPr lang="pt-BR" dirty="0" smtClean="0"/>
-              <a:t> </a:t>
-            </a:r>
-            <a:r>
-              <a:rPr lang="pt-BR" dirty="0" err="1" smtClean="0"/>
-              <a:t>Submission</a:t>
+              <a:t>Registration</a:t>
             </a:r>
             <a:endParaRPr lang="pt-BR" dirty="0"/>
           </a:p>
@@ -6485,12 +6759,12 @@
       </p:sp>
       <p:sp>
         <p:nvSpPr>
-          <p:cNvPr id="5" name="Espaço Reservado para Conteúdo 4"/>
-          <p:cNvSpPr>
-            <a:spLocks noGrp="1"/>
-          </p:cNvSpPr>
-          <p:nvPr>
-            <p:ph idx="1"/>
+          <p:cNvPr id="3" name="Subtítulo 2"/>
+          <p:cNvSpPr>
+            <a:spLocks noGrp="1"/>
+          </p:cNvSpPr>
+          <p:nvPr>
+            <p:ph type="body" idx="1"/>
           </p:nvPr>
         </p:nvSpPr>
         <p:spPr/>
@@ -6499,8 +6773,12 @@
           <a:lstStyle/>
           <a:p>
             <a:r>
+              <a:rPr lang="en-US" dirty="0" smtClean="0"/>
+              <a:t>Users </a:t>
+            </a:r>
+            <a:r>
               <a:rPr lang="en-US" dirty="0"/>
-              <a:t>On the book page, users should be able to submit a review: consisting of a rating on a scale of 1 to 5, as well as a text component to the review where the user can write their opinion about a book. Users should not be able to submit multiple reviews for the same book.</a:t>
+              <a:t>should be able to register for your website, providing (at minimum) a username and password.</a:t>
             </a:r>
             <a:endParaRPr lang="pt-BR" dirty="0"/>
           </a:p>
@@ -6509,17 +6787,24 @@
     </p:spTree>
     <p:extLst>
       <p:ext uri="{BB962C8B-B14F-4D97-AF65-F5344CB8AC3E}">
-        <p14:creationId xmlns:p14="http://schemas.microsoft.com/office/powerpoint/2010/main" val="2257838915"/>
+        <p14:creationId xmlns:p14="http://schemas.microsoft.com/office/powerpoint/2010/main" val="282064680"/>
       </p:ext>
     </p:extLst>
   </p:cSld>
   <p:clrMapOvr>
     <a:masterClrMapping/>
   </p:clrMapOvr>
+  <p:timing>
+    <p:tnLst>
+      <p:par>
+        <p:cTn id="1" dur="indefinite" restart="never" nodeType="tmRoot"/>
+      </p:par>
+    </p:tnLst>
+  </p:timing>
 </p:sld>
 </file>
 
-<file path=ppt/slides/slide18.xml><?xml version="1.0" encoding="utf-8"?>
+<file path=ppt/slides/slide20.xml><?xml version="1.0" encoding="utf-8"?>
 <p:sld xmlns:a="http://schemas.openxmlformats.org/drawingml/2006/main" xmlns:r="http://schemas.openxmlformats.org/officeDocument/2006/relationships" xmlns:p="http://schemas.openxmlformats.org/presentationml/2006/main">
   <p:cSld>
     <p:spTree>
@@ -6552,8 +6837,32 @@
         </p:blipFill>
         <p:spPr>
           <a:xfrm>
-            <a:off x="734096" y="656421"/>
-            <a:ext cx="10715222" cy="5545157"/>
+            <a:off x="1362745" y="1127907"/>
+            <a:ext cx="9197930" cy="1743075"/>
+          </a:xfrm>
+          <a:prstGeom prst="rect">
+            <a:avLst/>
+          </a:prstGeom>
+        </p:spPr>
+      </p:pic>
+      <p:pic>
+        <p:nvPicPr>
+          <p:cNvPr id="3" name="Imagem 2"/>
+          <p:cNvPicPr>
+            <a:picLocks noChangeAspect="1"/>
+          </p:cNvPicPr>
+          <p:nvPr/>
+        </p:nvPicPr>
+        <p:blipFill>
+          <a:blip r:embed="rId3"/>
+          <a:stretch>
+            <a:fillRect/>
+          </a:stretch>
+        </p:blipFill>
+        <p:spPr>
+          <a:xfrm>
+            <a:off x="1362745" y="3363196"/>
+            <a:ext cx="9217584" cy="1857375"/>
           </a:xfrm>
           <a:prstGeom prst="rect">
             <a:avLst/>
@@ -6563,17 +6872,24 @@
     </p:spTree>
     <p:extLst>
       <p:ext uri="{BB962C8B-B14F-4D97-AF65-F5344CB8AC3E}">
-        <p14:creationId xmlns:p14="http://schemas.microsoft.com/office/powerpoint/2010/main" val="3170922690"/>
+        <p14:creationId xmlns:p14="http://schemas.microsoft.com/office/powerpoint/2010/main" val="454657360"/>
       </p:ext>
     </p:extLst>
   </p:cSld>
   <p:clrMapOvr>
     <a:masterClrMapping/>
   </p:clrMapOvr>
+  <p:timing>
+    <p:tnLst>
+      <p:par>
+        <p:cTn id="1" dur="indefinite" restart="never" nodeType="tmRoot"/>
+      </p:par>
+    </p:tnLst>
+  </p:timing>
 </p:sld>
 </file>
 
-<file path=ppt/slides/slide19.xml><?xml version="1.0" encoding="utf-8"?>
+<file path=ppt/slides/slide21.xml><?xml version="1.0" encoding="utf-8"?>
 <p:sld xmlns:a="http://schemas.openxmlformats.org/drawingml/2006/main" xmlns:r="http://schemas.openxmlformats.org/officeDocument/2006/relationships" xmlns:p="http://schemas.openxmlformats.org/presentationml/2006/main">
   <p:cSld>
     <p:spTree>
@@ -6692,90 +7008,17 @@
   <p:clrMapOvr>
     <a:masterClrMapping/>
   </p:clrMapOvr>
+  <p:timing>
+    <p:tnLst>
+      <p:par>
+        <p:cTn id="1" dur="indefinite" restart="never" nodeType="tmRoot"/>
+      </p:par>
+    </p:tnLst>
+  </p:timing>
 </p:sld>
 </file>
 
-<file path=ppt/slides/slide2.xml><?xml version="1.0" encoding="utf-8"?>
-<p:sld xmlns:a="http://schemas.openxmlformats.org/drawingml/2006/main" xmlns:r="http://schemas.openxmlformats.org/officeDocument/2006/relationships" xmlns:p="http://schemas.openxmlformats.org/presentationml/2006/main">
-  <p:cSld>
-    <p:spTree>
-      <p:nvGrpSpPr>
-        <p:cNvPr id="1" name=""/>
-        <p:cNvGrpSpPr/>
-        <p:nvPr/>
-      </p:nvGrpSpPr>
-      <p:grpSpPr>
-        <a:xfrm>
-          <a:off x="0" y="0"/>
-          <a:ext cx="0" cy="0"/>
-          <a:chOff x="0" y="0"/>
-          <a:chExt cx="0" cy="0"/>
-        </a:xfrm>
-      </p:grpSpPr>
-      <p:sp>
-        <p:nvSpPr>
-          <p:cNvPr id="2" name="Título 1"/>
-          <p:cNvSpPr>
-            <a:spLocks noGrp="1"/>
-          </p:cNvSpPr>
-          <p:nvPr>
-            <p:ph type="title"/>
-          </p:nvPr>
-        </p:nvSpPr>
-        <p:spPr/>
-        <p:txBody>
-          <a:bodyPr/>
-          <a:lstStyle/>
-          <a:p>
-            <a:r>
-              <a:rPr lang="pt-BR" dirty="0" err="1" smtClean="0"/>
-              <a:t>Registration</a:t>
-            </a:r>
-            <a:endParaRPr lang="pt-BR" dirty="0"/>
-          </a:p>
-        </p:txBody>
-      </p:sp>
-      <p:sp>
-        <p:nvSpPr>
-          <p:cNvPr id="3" name="Subtítulo 2"/>
-          <p:cNvSpPr>
-            <a:spLocks noGrp="1"/>
-          </p:cNvSpPr>
-          <p:nvPr>
-            <p:ph type="body" idx="1"/>
-          </p:nvPr>
-        </p:nvSpPr>
-        <p:spPr/>
-        <p:txBody>
-          <a:bodyPr/>
-          <a:lstStyle/>
-          <a:p>
-            <a:r>
-              <a:rPr lang="en-US" dirty="0" smtClean="0"/>
-              <a:t>Users </a:t>
-            </a:r>
-            <a:r>
-              <a:rPr lang="en-US" dirty="0"/>
-              <a:t>should be able to register for your website, providing (at minimum) a username and password.</a:t>
-            </a:r>
-            <a:endParaRPr lang="pt-BR" dirty="0"/>
-          </a:p>
-        </p:txBody>
-      </p:sp>
-    </p:spTree>
-    <p:extLst>
-      <p:ext uri="{BB962C8B-B14F-4D97-AF65-F5344CB8AC3E}">
-        <p14:creationId xmlns:p14="http://schemas.microsoft.com/office/powerpoint/2010/main" val="282064680"/>
-      </p:ext>
-    </p:extLst>
-  </p:cSld>
-  <p:clrMapOvr>
-    <a:masterClrMapping/>
-  </p:clrMapOvr>
-</p:sld>
-</file>
-
-<file path=ppt/slides/slide20.xml><?xml version="1.0" encoding="utf-8"?>
+<file path=ppt/slides/slide22.xml><?xml version="1.0" encoding="utf-8"?>
 <p:sld xmlns:a="http://schemas.openxmlformats.org/drawingml/2006/main" xmlns:r="http://schemas.openxmlformats.org/officeDocument/2006/relationships" xmlns:p="http://schemas.openxmlformats.org/presentationml/2006/main">
   <p:cSld>
     <p:spTree>
@@ -6907,6 +7150,13 @@
   <p:clrMapOvr>
     <a:masterClrMapping/>
   </p:clrMapOvr>
+  <p:timing>
+    <p:tnLst>
+      <p:par>
+        <p:cTn id="1" dur="indefinite" restart="never" nodeType="tmRoot"/>
+      </p:par>
+    </p:tnLst>
+  </p:timing>
 </p:sld>
 </file>
 
@@ -6961,6 +7211,13 @@
   <p:clrMapOvr>
     <a:masterClrMapping/>
   </p:clrMapOvr>
+  <p:timing>
+    <p:tnLst>
+      <p:par>
+        <p:cTn id="1" dur="indefinite" restart="never" nodeType="tmRoot"/>
+      </p:par>
+    </p:tnLst>
+  </p:timing>
 </p:sld>
 </file>
 
@@ -7015,6 +7272,13 @@
   <p:clrMapOvr>
     <a:masterClrMapping/>
   </p:clrMapOvr>
+  <p:timing>
+    <p:tnLst>
+      <p:par>
+        <p:cTn id="1" dur="indefinite" restart="never" nodeType="tmRoot"/>
+      </p:par>
+    </p:tnLst>
+  </p:timing>
 </p:sld>
 </file>
 
@@ -7091,6 +7355,13 @@
   <p:clrMapOvr>
     <a:masterClrMapping/>
   </p:clrMapOvr>
+  <p:timing>
+    <p:tnLst>
+      <p:par>
+        <p:cTn id="1" dur="indefinite" restart="never" nodeType="tmRoot"/>
+      </p:par>
+    </p:tnLst>
+  </p:timing>
 </p:sld>
 </file>
 
@@ -7145,6 +7416,13 @@
   <p:clrMapOvr>
     <a:masterClrMapping/>
   </p:clrMapOvr>
+  <p:timing>
+    <p:tnLst>
+      <p:par>
+        <p:cTn id="1" dur="indefinite" restart="never" nodeType="tmRoot"/>
+      </p:par>
+    </p:tnLst>
+  </p:timing>
 </p:sld>
 </file>
 
@@ -7165,9 +7443,39 @@
           <a:chExt cx="0" cy="0"/>
         </a:xfrm>
       </p:grpSpPr>
-      <p:sp>
-        <p:nvSpPr>
-          <p:cNvPr id="2" name="Título 1"/>
+      <p:pic>
+        <p:nvPicPr>
+          <p:cNvPr id="2" name="Imagem 1"/>
+          <p:cNvPicPr>
+            <a:picLocks noChangeAspect="1"/>
+          </p:cNvPicPr>
+          <p:nvPr/>
+        </p:nvPicPr>
+        <p:blipFill>
+          <a:blip r:embed="rId2">
+            <a:extLst>
+              <a:ext uri="{28A0092B-C50C-407E-A947-70E740481C1C}">
+                <a14:useLocalDpi xmlns:a14="http://schemas.microsoft.com/office/drawing/2010/main" val="0"/>
+              </a:ext>
+            </a:extLst>
+          </a:blip>
+          <a:stretch>
+            <a:fillRect/>
+          </a:stretch>
+        </p:blipFill>
+        <p:spPr>
+          <a:xfrm>
+            <a:off x="2665927" y="2653046"/>
+            <a:ext cx="6400800" cy="3554909"/>
+          </a:xfrm>
+          <a:prstGeom prst="rect">
+            <a:avLst/>
+          </a:prstGeom>
+        </p:spPr>
+      </p:pic>
+      <p:sp>
+        <p:nvSpPr>
+          <p:cNvPr id="3" name="Título 2"/>
           <p:cNvSpPr>
             <a:spLocks noGrp="1"/>
           </p:cNvSpPr>
@@ -7182,30 +7490,31 @@
           <a:p>
             <a:r>
               <a:rPr lang="pt-BR" dirty="0" err="1" smtClean="0"/>
-              <a:t>logout</a:t>
-            </a:r>
-            <a:endParaRPr lang="pt-BR" dirty="0"/>
-          </a:p>
-        </p:txBody>
-      </p:sp>
-      <p:sp>
-        <p:nvSpPr>
-          <p:cNvPr id="3" name="Espaço Reservado para Texto 2"/>
-          <p:cNvSpPr>
-            <a:spLocks noGrp="1"/>
-          </p:cNvSpPr>
-          <p:nvPr>
-            <p:ph type="body" idx="1"/>
-          </p:nvPr>
-        </p:nvSpPr>
-        <p:spPr/>
-        <p:txBody>
-          <a:bodyPr/>
-          <a:lstStyle/>
-          <a:p>
-            <a:r>
-              <a:rPr lang="en-US" dirty="0"/>
-              <a:t>Logged in users should be able to log out of the site.</a:t>
+              <a:t>Wrong</a:t>
+            </a:r>
+            <a:r>
+              <a:rPr lang="pt-BR" dirty="0" smtClean="0"/>
+              <a:t> </a:t>
+            </a:r>
+            <a:r>
+              <a:rPr lang="pt-BR" dirty="0" err="1" smtClean="0"/>
+              <a:t>user</a:t>
+            </a:r>
+            <a:r>
+              <a:rPr lang="pt-BR" dirty="0" smtClean="0"/>
+              <a:t> or </a:t>
+            </a:r>
+            <a:r>
+              <a:rPr lang="pt-BR" dirty="0" err="1" smtClean="0"/>
+              <a:t>password</a:t>
+            </a:r>
+            <a:r>
+              <a:rPr lang="pt-BR" dirty="0" smtClean="0"/>
+              <a:t> </a:t>
+            </a:r>
+            <a:r>
+              <a:rPr lang="pt-BR" dirty="0" err="1" smtClean="0"/>
+              <a:t>message</a:t>
             </a:r>
             <a:endParaRPr lang="pt-BR" dirty="0"/>
           </a:p>
@@ -7214,13 +7523,20 @@
     </p:spTree>
     <p:extLst>
       <p:ext uri="{BB962C8B-B14F-4D97-AF65-F5344CB8AC3E}">
-        <p14:creationId xmlns:p14="http://schemas.microsoft.com/office/powerpoint/2010/main" val="1262586902"/>
+        <p14:creationId xmlns:p14="http://schemas.microsoft.com/office/powerpoint/2010/main" val="2865028175"/>
       </p:ext>
     </p:extLst>
   </p:cSld>
   <p:clrMapOvr>
     <a:masterClrMapping/>
   </p:clrMapOvr>
+  <p:timing>
+    <p:tnLst>
+      <p:par>
+        <p:cTn id="1" dur="indefinite" restart="never" nodeType="tmRoot"/>
+      </p:par>
+    </p:tnLst>
+  </p:timing>
 </p:sld>
 </file>
 
@@ -7243,125 +7559,87 @@
       </p:grpSpPr>
       <p:sp>
         <p:nvSpPr>
-          <p:cNvPr id="2" name="Retângulo 1"/>
-          <p:cNvSpPr/>
-          <p:nvPr/>
-        </p:nvSpPr>
-        <p:spPr>
-          <a:xfrm>
-            <a:off x="2399413" y="2752476"/>
-            <a:ext cx="6096000" cy="3139321"/>
-          </a:xfrm>
-          <a:prstGeom prst="rect">
-            <a:avLst/>
-          </a:prstGeom>
-        </p:spPr>
-        <p:txBody>
-          <a:bodyPr>
-            <a:spAutoFit/>
-          </a:bodyPr>
+          <p:cNvPr id="2" name="Título 1"/>
+          <p:cNvSpPr>
+            <a:spLocks noGrp="1"/>
+          </p:cNvSpPr>
+          <p:nvPr>
+            <p:ph type="title"/>
+          </p:nvPr>
+        </p:nvSpPr>
+        <p:spPr/>
+        <p:txBody>
+          <a:bodyPr/>
+          <a:lstStyle/>
+          <a:p>
+            <a:r>
+              <a:rPr lang="pt-BR" dirty="0" err="1" smtClean="0"/>
+              <a:t>logout</a:t>
+            </a:r>
+            <a:endParaRPr lang="pt-BR" dirty="0"/>
+          </a:p>
+        </p:txBody>
+      </p:sp>
+      <p:sp>
+        <p:nvSpPr>
+          <p:cNvPr id="3" name="Espaço Reservado para Texto 2"/>
+          <p:cNvSpPr>
+            <a:spLocks noGrp="1"/>
+          </p:cNvSpPr>
+          <p:nvPr>
+            <p:ph type="body" idx="1"/>
+          </p:nvPr>
+        </p:nvSpPr>
+        <p:spPr/>
+        <p:txBody>
+          <a:bodyPr/>
           <a:lstStyle/>
           <a:p>
             <a:r>
               <a:rPr lang="en-US" dirty="0"/>
-              <a:t>#Logout: Logged in users should be able to log out of the site.</a:t>
-            </a:r>
-          </a:p>
-          <a:p>
-            <a:r>
-              <a:rPr lang="en-US" dirty="0"/>
-              <a:t>@</a:t>
-            </a:r>
-            <a:r>
-              <a:rPr lang="en-US" dirty="0" err="1"/>
-              <a:t>app.route</a:t>
-            </a:r>
-            <a:r>
-              <a:rPr lang="en-US" dirty="0"/>
-              <a:t>('/logout')</a:t>
-            </a:r>
-          </a:p>
-          <a:p>
-            <a:r>
-              <a:rPr lang="en-US" dirty="0" err="1"/>
-              <a:t>def</a:t>
-            </a:r>
-            <a:r>
-              <a:rPr lang="en-US" dirty="0"/>
-              <a:t> logout():</a:t>
-            </a:r>
-          </a:p>
-          <a:p>
-            <a:r>
-              <a:rPr lang="en-US" dirty="0"/>
-              <a:t>    session['user'] = ""</a:t>
-            </a:r>
-          </a:p>
-          <a:p>
-            <a:r>
-              <a:rPr lang="en-US" dirty="0"/>
-              <a:t>    # clear user credentials</a:t>
-            </a:r>
-          </a:p>
-          <a:p>
-            <a:r>
-              <a:rPr lang="en-US" dirty="0"/>
-              <a:t>    </a:t>
-            </a:r>
-            <a:r>
-              <a:rPr lang="en-US" dirty="0" err="1"/>
-              <a:t>session.clear</a:t>
-            </a:r>
-            <a:r>
-              <a:rPr lang="en-US" dirty="0"/>
-              <a:t>()</a:t>
-            </a:r>
-          </a:p>
-          <a:p>
-            <a:r>
-              <a:rPr lang="en-US" dirty="0"/>
-              <a:t>    #close connection</a:t>
-            </a:r>
-          </a:p>
-          <a:p>
-            <a:r>
-              <a:rPr lang="en-US" dirty="0"/>
-              <a:t>    </a:t>
-            </a:r>
-            <a:r>
-              <a:rPr lang="en-US" dirty="0" err="1"/>
-              <a:t>db.close</a:t>
-            </a:r>
-            <a:r>
-              <a:rPr lang="en-US" dirty="0"/>
-              <a:t>()</a:t>
-            </a:r>
-          </a:p>
-          <a:p>
-            <a:endParaRPr lang="en-US" dirty="0"/>
-          </a:p>
-          <a:p>
-            <a:r>
-              <a:rPr lang="en-US" dirty="0"/>
-              <a:t>    # Redirect user to index form</a:t>
-            </a:r>
-          </a:p>
-          <a:p>
-            <a:r>
-              <a:rPr lang="en-US" dirty="0"/>
-              <a:t>    return redirect(</a:t>
-            </a:r>
-            <a:r>
-              <a:rPr lang="en-US" dirty="0" err="1"/>
-              <a:t>url_for</a:t>
-            </a:r>
-            <a:r>
-              <a:rPr lang="en-US" dirty="0"/>
-              <a:t>('index'))</a:t>
-            </a:r>
-          </a:p>
-        </p:txBody>
-      </p:sp>
+              <a:t>Logged in users should be able to log out of the site.</a:t>
+            </a:r>
+            <a:endParaRPr lang="pt-BR" dirty="0"/>
+          </a:p>
+        </p:txBody>
+      </p:sp>
+    </p:spTree>
+    <p:extLst>
+      <p:ext uri="{BB962C8B-B14F-4D97-AF65-F5344CB8AC3E}">
+        <p14:creationId xmlns:p14="http://schemas.microsoft.com/office/powerpoint/2010/main" val="1262586902"/>
+      </p:ext>
+    </p:extLst>
+  </p:cSld>
+  <p:clrMapOvr>
+    <a:masterClrMapping/>
+  </p:clrMapOvr>
+  <p:timing>
+    <p:tnLst>
+      <p:par>
+        <p:cTn id="1" dur="indefinite" restart="never" nodeType="tmRoot"/>
+      </p:par>
+    </p:tnLst>
+  </p:timing>
+</p:sld>
+</file>
+
+<file path=ppt/slides/slide9.xml><?xml version="1.0" encoding="utf-8"?>
+<p:sld xmlns:a="http://schemas.openxmlformats.org/drawingml/2006/main" xmlns:r="http://schemas.openxmlformats.org/officeDocument/2006/relationships" xmlns:p="http://schemas.openxmlformats.org/presentationml/2006/main">
+  <p:cSld>
+    <p:spTree>
+      <p:nvGrpSpPr>
+        <p:cNvPr id="1" name=""/>
+        <p:cNvGrpSpPr/>
+        <p:nvPr/>
+      </p:nvGrpSpPr>
+      <p:grpSpPr>
+        <a:xfrm>
+          <a:off x="0" y="0"/>
+          <a:ext cx="0" cy="0"/>
+          <a:chOff x="0" y="0"/>
+          <a:chExt cx="0" cy="0"/>
+        </a:xfrm>
+      </p:grpSpPr>
       <p:pic>
         <p:nvPicPr>
           <p:cNvPr id="3" name="Imagem 2"/>
@@ -7378,7 +7656,7 @@
         </p:blipFill>
         <p:spPr>
           <a:xfrm>
-            <a:off x="2869793" y="1353325"/>
+            <a:off x="2637973" y="2146503"/>
             <a:ext cx="3305175" cy="600075"/>
           </a:xfrm>
           <a:prstGeom prst="rect">
@@ -7429,6 +7707,109 @@
           </a:p>
         </p:txBody>
       </p:sp>
+      <p:sp>
+        <p:nvSpPr>
+          <p:cNvPr id="5" name="Retângulo 4"/>
+          <p:cNvSpPr/>
+          <p:nvPr/>
+        </p:nvSpPr>
+        <p:spPr>
+          <a:xfrm>
+            <a:off x="2738907" y="3675468"/>
+            <a:ext cx="6096000" cy="2031325"/>
+          </a:xfrm>
+          <a:prstGeom prst="rect">
+            <a:avLst/>
+          </a:prstGeom>
+        </p:spPr>
+        <p:txBody>
+          <a:bodyPr>
+            <a:spAutoFit/>
+          </a:bodyPr>
+          <a:lstStyle/>
+          <a:p>
+            <a:r>
+              <a:rPr lang="en-US" dirty="0"/>
+              <a:t>#Logout: Logged in users should be able to log out of the site.</a:t>
+            </a:r>
+          </a:p>
+          <a:p>
+            <a:r>
+              <a:rPr lang="en-US" dirty="0"/>
+              <a:t>@</a:t>
+            </a:r>
+            <a:r>
+              <a:rPr lang="en-US" dirty="0" err="1"/>
+              <a:t>app.route</a:t>
+            </a:r>
+            <a:r>
+              <a:rPr lang="en-US" dirty="0"/>
+              <a:t>('/logout')</a:t>
+            </a:r>
+          </a:p>
+          <a:p>
+            <a:r>
+              <a:rPr lang="en-US" dirty="0" err="1"/>
+              <a:t>def</a:t>
+            </a:r>
+            <a:r>
+              <a:rPr lang="en-US" dirty="0"/>
+              <a:t> logout():</a:t>
+            </a:r>
+          </a:p>
+          <a:p>
+            <a:r>
+              <a:rPr lang="en-US" dirty="0"/>
+              <a:t>    if 'user' in session:</a:t>
+            </a:r>
+          </a:p>
+          <a:p>
+            <a:r>
+              <a:rPr lang="en-US" dirty="0"/>
+              <a:t>        del session['user']</a:t>
+            </a:r>
+          </a:p>
+          <a:p>
+            <a:r>
+              <a:rPr lang="en-US" dirty="0"/>
+              <a:t>        return </a:t>
+            </a:r>
+            <a:r>
+              <a:rPr lang="en-US" dirty="0" err="1"/>
+              <a:t>render_template</a:t>
+            </a:r>
+            <a:r>
+              <a:rPr lang="en-US" dirty="0"/>
+              <a:t>("index.html", login="T" , logout="F" , register="T")</a:t>
+            </a:r>
+            <a:endParaRPr lang="pt-BR" dirty="0"/>
+          </a:p>
+        </p:txBody>
+      </p:sp>
+      <p:pic>
+        <p:nvPicPr>
+          <p:cNvPr id="6" name="Imagem 5"/>
+          <p:cNvPicPr>
+            <a:picLocks noChangeAspect="1"/>
+          </p:cNvPicPr>
+          <p:nvPr/>
+        </p:nvPicPr>
+        <p:blipFill>
+          <a:blip r:embed="rId3"/>
+          <a:stretch>
+            <a:fillRect/>
+          </a:stretch>
+        </p:blipFill>
+        <p:spPr>
+          <a:xfrm>
+            <a:off x="2700086" y="1085721"/>
+            <a:ext cx="3243061" cy="561975"/>
+          </a:xfrm>
+          <a:prstGeom prst="rect">
+            <a:avLst/>
+          </a:prstGeom>
+        </p:spPr>
+      </p:pic>
     </p:spTree>
     <p:extLst>
       <p:ext uri="{BB962C8B-B14F-4D97-AF65-F5344CB8AC3E}">
@@ -7439,85 +7820,13 @@
   <p:clrMapOvr>
     <a:masterClrMapping/>
   </p:clrMapOvr>
-</p:sld>
-</file>
-
-<file path=ppt/slides/slide9.xml><?xml version="1.0" encoding="utf-8"?>
-<p:sld xmlns:a="http://schemas.openxmlformats.org/drawingml/2006/main" xmlns:r="http://schemas.openxmlformats.org/officeDocument/2006/relationships" xmlns:p="http://schemas.openxmlformats.org/presentationml/2006/main">
-  <p:cSld>
-    <p:spTree>
-      <p:nvGrpSpPr>
-        <p:cNvPr id="1" name=""/>
-        <p:cNvGrpSpPr/>
-        <p:nvPr/>
-      </p:nvGrpSpPr>
-      <p:grpSpPr>
-        <a:xfrm>
-          <a:off x="0" y="0"/>
-          <a:ext cx="0" cy="0"/>
-          <a:chOff x="0" y="0"/>
-          <a:chExt cx="0" cy="0"/>
-        </a:xfrm>
-      </p:grpSpPr>
-      <p:sp>
-        <p:nvSpPr>
-          <p:cNvPr id="2" name="Título 1"/>
-          <p:cNvSpPr>
-            <a:spLocks noGrp="1"/>
-          </p:cNvSpPr>
-          <p:nvPr>
-            <p:ph type="title"/>
-          </p:nvPr>
-        </p:nvSpPr>
-        <p:spPr/>
-        <p:txBody>
-          <a:bodyPr/>
-          <a:lstStyle/>
-          <a:p>
-            <a:r>
-              <a:rPr lang="pt-BR" dirty="0" err="1" smtClean="0"/>
-              <a:t>Import</a:t>
-            </a:r>
-            <a:endParaRPr lang="pt-BR" dirty="0"/>
-          </a:p>
-        </p:txBody>
-      </p:sp>
-      <p:sp>
-        <p:nvSpPr>
-          <p:cNvPr id="3" name="Espaço Reservado para Texto 2"/>
-          <p:cNvSpPr>
-            <a:spLocks noGrp="1"/>
-          </p:cNvSpPr>
-          <p:nvPr>
-            <p:ph idx="1"/>
-          </p:nvPr>
-        </p:nvSpPr>
-        <p:spPr/>
-        <p:txBody>
-          <a:bodyPr>
-            <a:normAutofit lnSpcReduction="10000"/>
-          </a:bodyPr>
-          <a:lstStyle/>
-          <a:p>
-            <a:pPr algn="just"/>
-            <a:r>
-              <a:rPr lang="en-US" dirty="0"/>
-              <a:t>Provided for you in this project is a file called books.csv, which is a spreadsheet in CSV format of 5000 different books. Each one has an ISBN number, a title, an author, and a publication year. In a Python file called import.py separate from your web application, write a program that will take the books and import them into your PostgreSQL database. You will first need to decide what table(s) to create, what columns those tables should have, and how they should relate to one another. Run this program by running python3 import.py to import the books into your database, and submit this program with the rest of your project code.</a:t>
-            </a:r>
-            <a:endParaRPr lang="pt-BR" dirty="0"/>
-          </a:p>
-        </p:txBody>
-      </p:sp>
-    </p:spTree>
-    <p:extLst>
-      <p:ext uri="{BB962C8B-B14F-4D97-AF65-F5344CB8AC3E}">
-        <p14:creationId xmlns:p14="http://schemas.microsoft.com/office/powerpoint/2010/main" val="2259570420"/>
-      </p:ext>
-    </p:extLst>
-  </p:cSld>
-  <p:clrMapOvr>
-    <a:masterClrMapping/>
-  </p:clrMapOvr>
+  <p:timing>
+    <p:tnLst>
+      <p:par>
+        <p:cTn id="1" dur="indefinite" restart="never" nodeType="tmRoot"/>
+      </p:par>
+    </p:tnLst>
+  </p:timing>
 </p:sld>
 </file>
 
